--- a/relazione/presentazione Lill_AI.pptx
+++ b/relazione/presentazione Lill_AI.pptx
@@ -266,7 +266,7 @@
           <a:p>
             <a:fld id="{CE097C43-8ACE-4F55-A49F-B1282184822F}" type="datetimeFigureOut">
               <a:rPr lang="it-IT" smtClean="0"/>
-              <a:t>02/09/2023</a:t>
+              <a:t>10/09/2023</a:t>
             </a:fld>
             <a:endParaRPr lang="it-IT"/>
           </a:p>
@@ -436,7 +436,7 @@
           <a:p>
             <a:fld id="{CE097C43-8ACE-4F55-A49F-B1282184822F}" type="datetimeFigureOut">
               <a:rPr lang="it-IT" smtClean="0"/>
-              <a:t>02/09/2023</a:t>
+              <a:t>10/09/2023</a:t>
             </a:fld>
             <a:endParaRPr lang="it-IT"/>
           </a:p>
@@ -616,7 +616,7 @@
           <a:p>
             <a:fld id="{CE097C43-8ACE-4F55-A49F-B1282184822F}" type="datetimeFigureOut">
               <a:rPr lang="it-IT" smtClean="0"/>
-              <a:t>02/09/2023</a:t>
+              <a:t>10/09/2023</a:t>
             </a:fld>
             <a:endParaRPr lang="it-IT"/>
           </a:p>
@@ -786,7 +786,7 @@
           <a:p>
             <a:fld id="{CE097C43-8ACE-4F55-A49F-B1282184822F}" type="datetimeFigureOut">
               <a:rPr lang="it-IT" smtClean="0"/>
-              <a:t>02/09/2023</a:t>
+              <a:t>10/09/2023</a:t>
             </a:fld>
             <a:endParaRPr lang="it-IT"/>
           </a:p>
@@ -1032,7 +1032,7 @@
           <a:p>
             <a:fld id="{CE097C43-8ACE-4F55-A49F-B1282184822F}" type="datetimeFigureOut">
               <a:rPr lang="it-IT" smtClean="0"/>
-              <a:t>02/09/2023</a:t>
+              <a:t>10/09/2023</a:t>
             </a:fld>
             <a:endParaRPr lang="it-IT"/>
           </a:p>
@@ -1264,7 +1264,7 @@
           <a:p>
             <a:fld id="{CE097C43-8ACE-4F55-A49F-B1282184822F}" type="datetimeFigureOut">
               <a:rPr lang="it-IT" smtClean="0"/>
-              <a:t>02/09/2023</a:t>
+              <a:t>10/09/2023</a:t>
             </a:fld>
             <a:endParaRPr lang="it-IT"/>
           </a:p>
@@ -1631,7 +1631,7 @@
           <a:p>
             <a:fld id="{CE097C43-8ACE-4F55-A49F-B1282184822F}" type="datetimeFigureOut">
               <a:rPr lang="it-IT" smtClean="0"/>
-              <a:t>02/09/2023</a:t>
+              <a:t>10/09/2023</a:t>
             </a:fld>
             <a:endParaRPr lang="it-IT"/>
           </a:p>
@@ -1749,7 +1749,7 @@
           <a:p>
             <a:fld id="{CE097C43-8ACE-4F55-A49F-B1282184822F}" type="datetimeFigureOut">
               <a:rPr lang="it-IT" smtClean="0"/>
-              <a:t>02/09/2023</a:t>
+              <a:t>10/09/2023</a:t>
             </a:fld>
             <a:endParaRPr lang="it-IT"/>
           </a:p>
@@ -1844,7 +1844,7 @@
           <a:p>
             <a:fld id="{CE097C43-8ACE-4F55-A49F-B1282184822F}" type="datetimeFigureOut">
               <a:rPr lang="it-IT" smtClean="0"/>
-              <a:t>02/09/2023</a:t>
+              <a:t>10/09/2023</a:t>
             </a:fld>
             <a:endParaRPr lang="it-IT"/>
           </a:p>
@@ -2121,7 +2121,7 @@
           <a:p>
             <a:fld id="{CE097C43-8ACE-4F55-A49F-B1282184822F}" type="datetimeFigureOut">
               <a:rPr lang="it-IT" smtClean="0"/>
-              <a:t>02/09/2023</a:t>
+              <a:t>10/09/2023</a:t>
             </a:fld>
             <a:endParaRPr lang="it-IT"/>
           </a:p>
@@ -2374,7 +2374,7 @@
           <a:p>
             <a:fld id="{CE097C43-8ACE-4F55-A49F-B1282184822F}" type="datetimeFigureOut">
               <a:rPr lang="it-IT" smtClean="0"/>
-              <a:t>02/09/2023</a:t>
+              <a:t>10/09/2023</a:t>
             </a:fld>
             <a:endParaRPr lang="it-IT"/>
           </a:p>
@@ -2587,7 +2587,7 @@
           <a:p>
             <a:fld id="{CE097C43-8ACE-4F55-A49F-B1282184822F}" type="datetimeFigureOut">
               <a:rPr lang="it-IT" smtClean="0"/>
-              <a:t>02/09/2023</a:t>
+              <a:t>10/09/2023</a:t>
             </a:fld>
             <a:endParaRPr lang="it-IT"/>
           </a:p>
@@ -3455,7 +3455,7 @@
           <p:cNvPr id="10" name="CasellaDiTesto 10">
             <a:extLst>
               <a:ext uri="{FF2B5EF4-FFF2-40B4-BE49-F238E27FC236}">
-                <a16:creationId xmlns:lc="http://schemas.openxmlformats.org/drawingml/2006/lockedCanvas" xmlns:a16="http://schemas.microsoft.com/office/drawing/2014/main" xmlns="" id="{102CB6B7-5570-A51C-A15F-4E42565AD0CE}"/>
+                <a16:creationId xmlns="" xmlns:a16="http://schemas.microsoft.com/office/drawing/2014/main" xmlns:lc="http://schemas.openxmlformats.org/drawingml/2006/lockedCanvas" id="{102CB6B7-5570-A51C-A15F-4E42565AD0CE}"/>
               </a:ext>
             </a:extLst>
           </p:cNvPr>
@@ -3605,7 +3605,7 @@
           <p:cNvPr id="11" name="CasellaDiTesto 13">
             <a:extLst>
               <a:ext uri="{FF2B5EF4-FFF2-40B4-BE49-F238E27FC236}">
-                <a16:creationId xmlns:lc="http://schemas.openxmlformats.org/drawingml/2006/lockedCanvas" xmlns:a16="http://schemas.microsoft.com/office/drawing/2014/main" xmlns="" id="{95FFDE0E-B87B-AC18-8F01-023282DFCEDE}"/>
+                <a16:creationId xmlns="" xmlns:a16="http://schemas.microsoft.com/office/drawing/2014/main" xmlns:lc="http://schemas.openxmlformats.org/drawingml/2006/lockedCanvas" id="{95FFDE0E-B87B-AC18-8F01-023282DFCEDE}"/>
               </a:ext>
             </a:extLst>
           </p:cNvPr>
@@ -4072,7 +4072,7 @@
           <p:cNvPr id="4" name="Rettangolo 3">
             <a:extLst>
               <a:ext uri="{FF2B5EF4-FFF2-40B4-BE49-F238E27FC236}">
-                <a16:creationId xmlns:lc="http://schemas.openxmlformats.org/drawingml/2006/lockedCanvas" xmlns:a16="http://schemas.microsoft.com/office/drawing/2014/main" xmlns="" id="{9345B740-46C0-0F59-BCE6-B6BB98E2D03A}"/>
+                <a16:creationId xmlns="" xmlns:a16="http://schemas.microsoft.com/office/drawing/2014/main" xmlns:lc="http://schemas.openxmlformats.org/drawingml/2006/lockedCanvas" id="{9345B740-46C0-0F59-BCE6-B6BB98E2D03A}"/>
               </a:ext>
             </a:extLst>
           </p:cNvPr>
@@ -4240,7 +4240,7 @@
           <p:cNvPr id="5" name="CasellaDiTesto 48">
             <a:extLst>
               <a:ext uri="{FF2B5EF4-FFF2-40B4-BE49-F238E27FC236}">
-                <a16:creationId xmlns:lc="http://schemas.openxmlformats.org/drawingml/2006/lockedCanvas" xmlns:a16="http://schemas.microsoft.com/office/drawing/2014/main" xmlns="" id="{1C78B549-E0D4-B794-143A-3AE79DE1EDD1}"/>
+                <a16:creationId xmlns="" xmlns:a16="http://schemas.microsoft.com/office/drawing/2014/main" xmlns:lc="http://schemas.openxmlformats.org/drawingml/2006/lockedCanvas" id="{1C78B549-E0D4-B794-143A-3AE79DE1EDD1}"/>
               </a:ext>
             </a:extLst>
           </p:cNvPr>
@@ -4374,7 +4374,7 @@
           <p:cNvPr id="6" name="Rettangolo 5">
             <a:extLst>
               <a:ext uri="{FF2B5EF4-FFF2-40B4-BE49-F238E27FC236}">
-                <a16:creationId xmlns:lc="http://schemas.openxmlformats.org/drawingml/2006/lockedCanvas" xmlns:a16="http://schemas.microsoft.com/office/drawing/2014/main" xmlns="" id="{1E494D1A-A850-8664-359F-B5C2EF7FE428}"/>
+                <a16:creationId xmlns="" xmlns:a16="http://schemas.microsoft.com/office/drawing/2014/main" xmlns:lc="http://schemas.openxmlformats.org/drawingml/2006/lockedCanvas" id="{1E494D1A-A850-8664-359F-B5C2EF7FE428}"/>
               </a:ext>
             </a:extLst>
           </p:cNvPr>
@@ -4526,7 +4526,7 @@
           <p:cNvPr id="9" name="CasellaDiTesto 8">
             <a:extLst>
               <a:ext uri="{FF2B5EF4-FFF2-40B4-BE49-F238E27FC236}">
-                <a16:creationId xmlns:a16="http://schemas.microsoft.com/office/drawing/2014/main" xmlns="" id="{BDFA600A-5721-23F4-E95B-50E923AD9318}"/>
+                <a16:creationId xmlns="" xmlns:a16="http://schemas.microsoft.com/office/drawing/2014/main" id="{BDFA600A-5721-23F4-E95B-50E923AD9318}"/>
               </a:ext>
             </a:extLst>
           </p:cNvPr>
@@ -4949,7 +4949,7 @@
           <p:cNvPr id="4" name="Rettangolo 3">
             <a:extLst>
               <a:ext uri="{FF2B5EF4-FFF2-40B4-BE49-F238E27FC236}">
-                <a16:creationId xmlns:lc="http://schemas.openxmlformats.org/drawingml/2006/lockedCanvas" xmlns:a16="http://schemas.microsoft.com/office/drawing/2014/main" xmlns="" id="{9345B740-46C0-0F59-BCE6-B6BB98E2D03A}"/>
+                <a16:creationId xmlns="" xmlns:a16="http://schemas.microsoft.com/office/drawing/2014/main" xmlns:lc="http://schemas.openxmlformats.org/drawingml/2006/lockedCanvas" id="{9345B740-46C0-0F59-BCE6-B6BB98E2D03A}"/>
               </a:ext>
             </a:extLst>
           </p:cNvPr>
@@ -5117,7 +5117,7 @@
           <p:cNvPr id="5" name="CasellaDiTesto 48">
             <a:extLst>
               <a:ext uri="{FF2B5EF4-FFF2-40B4-BE49-F238E27FC236}">
-                <a16:creationId xmlns:lc="http://schemas.openxmlformats.org/drawingml/2006/lockedCanvas" xmlns:a16="http://schemas.microsoft.com/office/drawing/2014/main" xmlns="" id="{1C78B549-E0D4-B794-143A-3AE79DE1EDD1}"/>
+                <a16:creationId xmlns="" xmlns:a16="http://schemas.microsoft.com/office/drawing/2014/main" xmlns:lc="http://schemas.openxmlformats.org/drawingml/2006/lockedCanvas" id="{1C78B549-E0D4-B794-143A-3AE79DE1EDD1}"/>
               </a:ext>
             </a:extLst>
           </p:cNvPr>
@@ -5251,7 +5251,7 @@
           <p:cNvPr id="6" name="Rettangolo 5">
             <a:extLst>
               <a:ext uri="{FF2B5EF4-FFF2-40B4-BE49-F238E27FC236}">
-                <a16:creationId xmlns:lc="http://schemas.openxmlformats.org/drawingml/2006/lockedCanvas" xmlns:a16="http://schemas.microsoft.com/office/drawing/2014/main" xmlns="" id="{1E494D1A-A850-8664-359F-B5C2EF7FE428}"/>
+                <a16:creationId xmlns="" xmlns:a16="http://schemas.microsoft.com/office/drawing/2014/main" xmlns:lc="http://schemas.openxmlformats.org/drawingml/2006/lockedCanvas" id="{1E494D1A-A850-8664-359F-B5C2EF7FE428}"/>
               </a:ext>
             </a:extLst>
           </p:cNvPr>
@@ -5403,7 +5403,7 @@
           <p:cNvPr id="9" name="CasellaDiTesto 8">
             <a:extLst>
               <a:ext uri="{FF2B5EF4-FFF2-40B4-BE49-F238E27FC236}">
-                <a16:creationId xmlns:a16="http://schemas.microsoft.com/office/drawing/2014/main" xmlns="" id="{BDFA600A-5721-23F4-E95B-50E923AD9318}"/>
+                <a16:creationId xmlns="" xmlns:a16="http://schemas.microsoft.com/office/drawing/2014/main" id="{BDFA600A-5721-23F4-E95B-50E923AD9318}"/>
               </a:ext>
             </a:extLst>
           </p:cNvPr>
@@ -5702,7 +5702,7 @@
           <p:cNvPr id="4" name="Rettangolo 3">
             <a:extLst>
               <a:ext uri="{FF2B5EF4-FFF2-40B4-BE49-F238E27FC236}">
-                <a16:creationId xmlns:lc="http://schemas.openxmlformats.org/drawingml/2006/lockedCanvas" xmlns:a16="http://schemas.microsoft.com/office/drawing/2014/main" xmlns="" id="{9345B740-46C0-0F59-BCE6-B6BB98E2D03A}"/>
+                <a16:creationId xmlns="" xmlns:a16="http://schemas.microsoft.com/office/drawing/2014/main" xmlns:lc="http://schemas.openxmlformats.org/drawingml/2006/lockedCanvas" id="{9345B740-46C0-0F59-BCE6-B6BB98E2D03A}"/>
               </a:ext>
             </a:extLst>
           </p:cNvPr>
@@ -5870,7 +5870,7 @@
           <p:cNvPr id="5" name="CasellaDiTesto 48">
             <a:extLst>
               <a:ext uri="{FF2B5EF4-FFF2-40B4-BE49-F238E27FC236}">
-                <a16:creationId xmlns:lc="http://schemas.openxmlformats.org/drawingml/2006/lockedCanvas" xmlns:a16="http://schemas.microsoft.com/office/drawing/2014/main" xmlns="" id="{1C78B549-E0D4-B794-143A-3AE79DE1EDD1}"/>
+                <a16:creationId xmlns="" xmlns:a16="http://schemas.microsoft.com/office/drawing/2014/main" xmlns:lc="http://schemas.openxmlformats.org/drawingml/2006/lockedCanvas" id="{1C78B549-E0D4-B794-143A-3AE79DE1EDD1}"/>
               </a:ext>
             </a:extLst>
           </p:cNvPr>
@@ -6004,7 +6004,7 @@
           <p:cNvPr id="6" name="Rettangolo 5">
             <a:extLst>
               <a:ext uri="{FF2B5EF4-FFF2-40B4-BE49-F238E27FC236}">
-                <a16:creationId xmlns:lc="http://schemas.openxmlformats.org/drawingml/2006/lockedCanvas" xmlns:a16="http://schemas.microsoft.com/office/drawing/2014/main" xmlns="" id="{1E494D1A-A850-8664-359F-B5C2EF7FE428}"/>
+                <a16:creationId xmlns="" xmlns:a16="http://schemas.microsoft.com/office/drawing/2014/main" xmlns:lc="http://schemas.openxmlformats.org/drawingml/2006/lockedCanvas" id="{1E494D1A-A850-8664-359F-B5C2EF7FE428}"/>
               </a:ext>
             </a:extLst>
           </p:cNvPr>
@@ -6156,7 +6156,7 @@
           <p:cNvPr id="9" name="CasellaDiTesto 8">
             <a:extLst>
               <a:ext uri="{FF2B5EF4-FFF2-40B4-BE49-F238E27FC236}">
-                <a16:creationId xmlns:a16="http://schemas.microsoft.com/office/drawing/2014/main" xmlns="" id="{BDFA600A-5721-23F4-E95B-50E923AD9318}"/>
+                <a16:creationId xmlns="" xmlns:a16="http://schemas.microsoft.com/office/drawing/2014/main" id="{BDFA600A-5721-23F4-E95B-50E923AD9318}"/>
               </a:ext>
             </a:extLst>
           </p:cNvPr>
@@ -6571,7 +6571,7 @@
           <p:cNvPr id="4" name="Rettangolo 3">
             <a:extLst>
               <a:ext uri="{FF2B5EF4-FFF2-40B4-BE49-F238E27FC236}">
-                <a16:creationId xmlns:lc="http://schemas.openxmlformats.org/drawingml/2006/lockedCanvas" xmlns:a16="http://schemas.microsoft.com/office/drawing/2014/main" xmlns="" id="{9345B740-46C0-0F59-BCE6-B6BB98E2D03A}"/>
+                <a16:creationId xmlns="" xmlns:a16="http://schemas.microsoft.com/office/drawing/2014/main" xmlns:lc="http://schemas.openxmlformats.org/drawingml/2006/lockedCanvas" id="{9345B740-46C0-0F59-BCE6-B6BB98E2D03A}"/>
               </a:ext>
             </a:extLst>
           </p:cNvPr>
@@ -6739,7 +6739,7 @@
           <p:cNvPr id="5" name="CasellaDiTesto 48">
             <a:extLst>
               <a:ext uri="{FF2B5EF4-FFF2-40B4-BE49-F238E27FC236}">
-                <a16:creationId xmlns:lc="http://schemas.openxmlformats.org/drawingml/2006/lockedCanvas" xmlns:a16="http://schemas.microsoft.com/office/drawing/2014/main" xmlns="" id="{1C78B549-E0D4-B794-143A-3AE79DE1EDD1}"/>
+                <a16:creationId xmlns="" xmlns:a16="http://schemas.microsoft.com/office/drawing/2014/main" xmlns:lc="http://schemas.openxmlformats.org/drawingml/2006/lockedCanvas" id="{1C78B549-E0D4-B794-143A-3AE79DE1EDD1}"/>
               </a:ext>
             </a:extLst>
           </p:cNvPr>
@@ -6873,7 +6873,7 @@
           <p:cNvPr id="6" name="Rettangolo 5">
             <a:extLst>
               <a:ext uri="{FF2B5EF4-FFF2-40B4-BE49-F238E27FC236}">
-                <a16:creationId xmlns:lc="http://schemas.openxmlformats.org/drawingml/2006/lockedCanvas" xmlns:a16="http://schemas.microsoft.com/office/drawing/2014/main" xmlns="" id="{1E494D1A-A850-8664-359F-B5C2EF7FE428}"/>
+                <a16:creationId xmlns="" xmlns:a16="http://schemas.microsoft.com/office/drawing/2014/main" xmlns:lc="http://schemas.openxmlformats.org/drawingml/2006/lockedCanvas" id="{1E494D1A-A850-8664-359F-B5C2EF7FE428}"/>
               </a:ext>
             </a:extLst>
           </p:cNvPr>
@@ -7025,7 +7025,7 @@
           <p:cNvPr id="9" name="CasellaDiTesto 8">
             <a:extLst>
               <a:ext uri="{FF2B5EF4-FFF2-40B4-BE49-F238E27FC236}">
-                <a16:creationId xmlns:a16="http://schemas.microsoft.com/office/drawing/2014/main" xmlns="" id="{BDFA600A-5721-23F4-E95B-50E923AD9318}"/>
+                <a16:creationId xmlns="" xmlns:a16="http://schemas.microsoft.com/office/drawing/2014/main" id="{BDFA600A-5721-23F4-E95B-50E923AD9318}"/>
               </a:ext>
             </a:extLst>
           </p:cNvPr>
@@ -7355,7 +7355,7 @@
           <p:cNvPr id="4" name="Rettangolo 3">
             <a:extLst>
               <a:ext uri="{FF2B5EF4-FFF2-40B4-BE49-F238E27FC236}">
-                <a16:creationId xmlns:lc="http://schemas.openxmlformats.org/drawingml/2006/lockedCanvas" xmlns:a16="http://schemas.microsoft.com/office/drawing/2014/main" xmlns="" id="{9345B740-46C0-0F59-BCE6-B6BB98E2D03A}"/>
+                <a16:creationId xmlns="" xmlns:a16="http://schemas.microsoft.com/office/drawing/2014/main" xmlns:lc="http://schemas.openxmlformats.org/drawingml/2006/lockedCanvas" id="{9345B740-46C0-0F59-BCE6-B6BB98E2D03A}"/>
               </a:ext>
             </a:extLst>
           </p:cNvPr>
@@ -7523,7 +7523,7 @@
           <p:cNvPr id="5" name="CasellaDiTesto 48">
             <a:extLst>
               <a:ext uri="{FF2B5EF4-FFF2-40B4-BE49-F238E27FC236}">
-                <a16:creationId xmlns:lc="http://schemas.openxmlformats.org/drawingml/2006/lockedCanvas" xmlns:a16="http://schemas.microsoft.com/office/drawing/2014/main" xmlns="" id="{1C78B549-E0D4-B794-143A-3AE79DE1EDD1}"/>
+                <a16:creationId xmlns="" xmlns:a16="http://schemas.microsoft.com/office/drawing/2014/main" xmlns:lc="http://schemas.openxmlformats.org/drawingml/2006/lockedCanvas" id="{1C78B549-E0D4-B794-143A-3AE79DE1EDD1}"/>
               </a:ext>
             </a:extLst>
           </p:cNvPr>
@@ -7657,7 +7657,7 @@
           <p:cNvPr id="6" name="Rettangolo 5">
             <a:extLst>
               <a:ext uri="{FF2B5EF4-FFF2-40B4-BE49-F238E27FC236}">
-                <a16:creationId xmlns:lc="http://schemas.openxmlformats.org/drawingml/2006/lockedCanvas" xmlns:a16="http://schemas.microsoft.com/office/drawing/2014/main" xmlns="" id="{1E494D1A-A850-8664-359F-B5C2EF7FE428}"/>
+                <a16:creationId xmlns="" xmlns:a16="http://schemas.microsoft.com/office/drawing/2014/main" xmlns:lc="http://schemas.openxmlformats.org/drawingml/2006/lockedCanvas" id="{1E494D1A-A850-8664-359F-B5C2EF7FE428}"/>
               </a:ext>
             </a:extLst>
           </p:cNvPr>
@@ -7809,7 +7809,7 @@
           <p:cNvPr id="9" name="CasellaDiTesto 8">
             <a:extLst>
               <a:ext uri="{FF2B5EF4-FFF2-40B4-BE49-F238E27FC236}">
-                <a16:creationId xmlns:a16="http://schemas.microsoft.com/office/drawing/2014/main" xmlns="" id="{BDFA600A-5721-23F4-E95B-50E923AD9318}"/>
+                <a16:creationId xmlns="" xmlns:a16="http://schemas.microsoft.com/office/drawing/2014/main" id="{BDFA600A-5721-23F4-E95B-50E923AD9318}"/>
               </a:ext>
             </a:extLst>
           </p:cNvPr>
@@ -8105,7 +8105,7 @@
           <p:cNvPr id="4" name="Rettangolo 3">
             <a:extLst>
               <a:ext uri="{FF2B5EF4-FFF2-40B4-BE49-F238E27FC236}">
-                <a16:creationId xmlns:lc="http://schemas.openxmlformats.org/drawingml/2006/lockedCanvas" xmlns:a16="http://schemas.microsoft.com/office/drawing/2014/main" xmlns="" id="{9345B740-46C0-0F59-BCE6-B6BB98E2D03A}"/>
+                <a16:creationId xmlns="" xmlns:a16="http://schemas.microsoft.com/office/drawing/2014/main" xmlns:lc="http://schemas.openxmlformats.org/drawingml/2006/lockedCanvas" id="{9345B740-46C0-0F59-BCE6-B6BB98E2D03A}"/>
               </a:ext>
             </a:extLst>
           </p:cNvPr>
@@ -8273,7 +8273,7 @@
           <p:cNvPr id="5" name="CasellaDiTesto 48">
             <a:extLst>
               <a:ext uri="{FF2B5EF4-FFF2-40B4-BE49-F238E27FC236}">
-                <a16:creationId xmlns:lc="http://schemas.openxmlformats.org/drawingml/2006/lockedCanvas" xmlns:a16="http://schemas.microsoft.com/office/drawing/2014/main" xmlns="" id="{1C78B549-E0D4-B794-143A-3AE79DE1EDD1}"/>
+                <a16:creationId xmlns="" xmlns:a16="http://schemas.microsoft.com/office/drawing/2014/main" xmlns:lc="http://schemas.openxmlformats.org/drawingml/2006/lockedCanvas" id="{1C78B549-E0D4-B794-143A-3AE79DE1EDD1}"/>
               </a:ext>
             </a:extLst>
           </p:cNvPr>
@@ -8407,7 +8407,7 @@
           <p:cNvPr id="6" name="Rettangolo 5">
             <a:extLst>
               <a:ext uri="{FF2B5EF4-FFF2-40B4-BE49-F238E27FC236}">
-                <a16:creationId xmlns:lc="http://schemas.openxmlformats.org/drawingml/2006/lockedCanvas" xmlns:a16="http://schemas.microsoft.com/office/drawing/2014/main" xmlns="" id="{1E494D1A-A850-8664-359F-B5C2EF7FE428}"/>
+                <a16:creationId xmlns="" xmlns:a16="http://schemas.microsoft.com/office/drawing/2014/main" xmlns:lc="http://schemas.openxmlformats.org/drawingml/2006/lockedCanvas" id="{1E494D1A-A850-8664-359F-B5C2EF7FE428}"/>
               </a:ext>
             </a:extLst>
           </p:cNvPr>
@@ -8559,7 +8559,7 @@
           <p:cNvPr id="9" name="CasellaDiTesto 8">
             <a:extLst>
               <a:ext uri="{FF2B5EF4-FFF2-40B4-BE49-F238E27FC236}">
-                <a16:creationId xmlns:a16="http://schemas.microsoft.com/office/drawing/2014/main" xmlns="" id="{BDFA600A-5721-23F4-E95B-50E923AD9318}"/>
+                <a16:creationId xmlns="" xmlns:a16="http://schemas.microsoft.com/office/drawing/2014/main" id="{BDFA600A-5721-23F4-E95B-50E923AD9318}"/>
               </a:ext>
             </a:extLst>
           </p:cNvPr>
@@ -8749,7 +8749,7 @@
           <p:cNvPr id="4" name="Rettangolo 3">
             <a:extLst>
               <a:ext uri="{FF2B5EF4-FFF2-40B4-BE49-F238E27FC236}">
-                <a16:creationId xmlns:lc="http://schemas.openxmlformats.org/drawingml/2006/lockedCanvas" xmlns:a16="http://schemas.microsoft.com/office/drawing/2014/main" xmlns="" id="{9345B740-46C0-0F59-BCE6-B6BB98E2D03A}"/>
+                <a16:creationId xmlns="" xmlns:a16="http://schemas.microsoft.com/office/drawing/2014/main" xmlns:lc="http://schemas.openxmlformats.org/drawingml/2006/lockedCanvas" id="{9345B740-46C0-0F59-BCE6-B6BB98E2D03A}"/>
               </a:ext>
             </a:extLst>
           </p:cNvPr>
@@ -8917,7 +8917,7 @@
           <p:cNvPr id="5" name="CasellaDiTesto 48">
             <a:extLst>
               <a:ext uri="{FF2B5EF4-FFF2-40B4-BE49-F238E27FC236}">
-                <a16:creationId xmlns:lc="http://schemas.openxmlformats.org/drawingml/2006/lockedCanvas" xmlns:a16="http://schemas.microsoft.com/office/drawing/2014/main" xmlns="" id="{1C78B549-E0D4-B794-143A-3AE79DE1EDD1}"/>
+                <a16:creationId xmlns="" xmlns:a16="http://schemas.microsoft.com/office/drawing/2014/main" xmlns:lc="http://schemas.openxmlformats.org/drawingml/2006/lockedCanvas" id="{1C78B549-E0D4-B794-143A-3AE79DE1EDD1}"/>
               </a:ext>
             </a:extLst>
           </p:cNvPr>
@@ -9051,7 +9051,7 @@
           <p:cNvPr id="6" name="Rettangolo 5">
             <a:extLst>
               <a:ext uri="{FF2B5EF4-FFF2-40B4-BE49-F238E27FC236}">
-                <a16:creationId xmlns:lc="http://schemas.openxmlformats.org/drawingml/2006/lockedCanvas" xmlns:a16="http://schemas.microsoft.com/office/drawing/2014/main" xmlns="" id="{1E494D1A-A850-8664-359F-B5C2EF7FE428}"/>
+                <a16:creationId xmlns="" xmlns:a16="http://schemas.microsoft.com/office/drawing/2014/main" xmlns:lc="http://schemas.openxmlformats.org/drawingml/2006/lockedCanvas" id="{1E494D1A-A850-8664-359F-B5C2EF7FE428}"/>
               </a:ext>
             </a:extLst>
           </p:cNvPr>
@@ -9203,7 +9203,7 @@
           <p:cNvPr id="9" name="CasellaDiTesto 8">
             <a:extLst>
               <a:ext uri="{FF2B5EF4-FFF2-40B4-BE49-F238E27FC236}">
-                <a16:creationId xmlns:a16="http://schemas.microsoft.com/office/drawing/2014/main" xmlns="" id="{BDFA600A-5721-23F4-E95B-50E923AD9318}"/>
+                <a16:creationId xmlns="" xmlns:a16="http://schemas.microsoft.com/office/drawing/2014/main" id="{BDFA600A-5721-23F4-E95B-50E923AD9318}"/>
               </a:ext>
             </a:extLst>
           </p:cNvPr>
@@ -9337,11 +9337,14 @@
           <a:lstStyle/>
           <a:p>
             <a:r>
-              <a:rPr lang="it-IT" sz="2400" dirty="0" smtClean="0">
-                <a:latin typeface="Raleway" panose="020B0503030101060003" pitchFamily="34" charset="0"/>
-              </a:rPr>
-              <a:t>Retrive</a:t>
-            </a:r>
+              <a:rPr lang="it-IT" sz="2400" dirty="0" err="1" smtClean="0">
+                <a:latin typeface="Raleway" panose="020B0503030101060003" pitchFamily="34" charset="0"/>
+              </a:rPr>
+              <a:t>Retrieve</a:t>
+            </a:r>
+            <a:endParaRPr lang="it-IT" sz="2400" dirty="0" smtClean="0">
+              <a:latin typeface="Raleway" panose="020B0503030101060003" pitchFamily="34" charset="0"/>
+            </a:endParaRPr>
           </a:p>
           <a:p>
             <a:endParaRPr lang="it-IT" dirty="0" smtClean="0">
@@ -9506,7 +9509,7 @@
           <p:cNvPr id="4" name="Rettangolo 3">
             <a:extLst>
               <a:ext uri="{FF2B5EF4-FFF2-40B4-BE49-F238E27FC236}">
-                <a16:creationId xmlns:lc="http://schemas.openxmlformats.org/drawingml/2006/lockedCanvas" xmlns:a16="http://schemas.microsoft.com/office/drawing/2014/main" xmlns="" id="{9345B740-46C0-0F59-BCE6-B6BB98E2D03A}"/>
+                <a16:creationId xmlns="" xmlns:a16="http://schemas.microsoft.com/office/drawing/2014/main" xmlns:lc="http://schemas.openxmlformats.org/drawingml/2006/lockedCanvas" id="{9345B740-46C0-0F59-BCE6-B6BB98E2D03A}"/>
               </a:ext>
             </a:extLst>
           </p:cNvPr>
@@ -9674,7 +9677,7 @@
           <p:cNvPr id="5" name="CasellaDiTesto 48">
             <a:extLst>
               <a:ext uri="{FF2B5EF4-FFF2-40B4-BE49-F238E27FC236}">
-                <a16:creationId xmlns:lc="http://schemas.openxmlformats.org/drawingml/2006/lockedCanvas" xmlns:a16="http://schemas.microsoft.com/office/drawing/2014/main" xmlns="" id="{1C78B549-E0D4-B794-143A-3AE79DE1EDD1}"/>
+                <a16:creationId xmlns="" xmlns:a16="http://schemas.microsoft.com/office/drawing/2014/main" xmlns:lc="http://schemas.openxmlformats.org/drawingml/2006/lockedCanvas" id="{1C78B549-E0D4-B794-143A-3AE79DE1EDD1}"/>
               </a:ext>
             </a:extLst>
           </p:cNvPr>
@@ -9808,7 +9811,7 @@
           <p:cNvPr id="6" name="Rettangolo 5">
             <a:extLst>
               <a:ext uri="{FF2B5EF4-FFF2-40B4-BE49-F238E27FC236}">
-                <a16:creationId xmlns:lc="http://schemas.openxmlformats.org/drawingml/2006/lockedCanvas" xmlns:a16="http://schemas.microsoft.com/office/drawing/2014/main" xmlns="" id="{1E494D1A-A850-8664-359F-B5C2EF7FE428}"/>
+                <a16:creationId xmlns="" xmlns:a16="http://schemas.microsoft.com/office/drawing/2014/main" xmlns:lc="http://schemas.openxmlformats.org/drawingml/2006/lockedCanvas" id="{1E494D1A-A850-8664-359F-B5C2EF7FE428}"/>
               </a:ext>
             </a:extLst>
           </p:cNvPr>
@@ -9960,7 +9963,7 @@
           <p:cNvPr id="9" name="CasellaDiTesto 8">
             <a:extLst>
               <a:ext uri="{FF2B5EF4-FFF2-40B4-BE49-F238E27FC236}">
-                <a16:creationId xmlns:a16="http://schemas.microsoft.com/office/drawing/2014/main" xmlns="" id="{BDFA600A-5721-23F4-E95B-50E923AD9318}"/>
+                <a16:creationId xmlns="" xmlns:a16="http://schemas.microsoft.com/office/drawing/2014/main" id="{BDFA600A-5721-23F4-E95B-50E923AD9318}"/>
               </a:ext>
             </a:extLst>
           </p:cNvPr>
@@ -10150,7 +10153,7 @@
           <p:cNvPr id="4" name="Rettangolo 3">
             <a:extLst>
               <a:ext uri="{FF2B5EF4-FFF2-40B4-BE49-F238E27FC236}">
-                <a16:creationId xmlns:lc="http://schemas.openxmlformats.org/drawingml/2006/lockedCanvas" xmlns:a16="http://schemas.microsoft.com/office/drawing/2014/main" xmlns="" id="{9345B740-46C0-0F59-BCE6-B6BB98E2D03A}"/>
+                <a16:creationId xmlns="" xmlns:a16="http://schemas.microsoft.com/office/drawing/2014/main" xmlns:lc="http://schemas.openxmlformats.org/drawingml/2006/lockedCanvas" id="{9345B740-46C0-0F59-BCE6-B6BB98E2D03A}"/>
               </a:ext>
             </a:extLst>
           </p:cNvPr>
@@ -10309,7 +10312,7 @@
           <p:cNvPr id="5" name="CasellaDiTesto 48">
             <a:extLst>
               <a:ext uri="{FF2B5EF4-FFF2-40B4-BE49-F238E27FC236}">
-                <a16:creationId xmlns:lc="http://schemas.openxmlformats.org/drawingml/2006/lockedCanvas" xmlns:a16="http://schemas.microsoft.com/office/drawing/2014/main" xmlns="" id="{1C78B549-E0D4-B794-143A-3AE79DE1EDD1}"/>
+                <a16:creationId xmlns="" xmlns:a16="http://schemas.microsoft.com/office/drawing/2014/main" xmlns:lc="http://schemas.openxmlformats.org/drawingml/2006/lockedCanvas" id="{1C78B549-E0D4-B794-143A-3AE79DE1EDD1}"/>
               </a:ext>
             </a:extLst>
           </p:cNvPr>
@@ -10432,9 +10435,6 @@
               </a:rPr>
               <a:t>Evaluation</a:t>
             </a:r>
-            <a:endParaRPr lang="it-IT" sz="3200" dirty="0">
-              <a:latin typeface="Raleway" panose="020B0503030101060003" pitchFamily="34" charset="0"/>
-            </a:endParaRPr>
           </a:p>
         </p:txBody>
       </p:sp>
@@ -10443,7 +10443,7 @@
           <p:cNvPr id="6" name="Rettangolo 5">
             <a:extLst>
               <a:ext uri="{FF2B5EF4-FFF2-40B4-BE49-F238E27FC236}">
-                <a16:creationId xmlns:lc="http://schemas.openxmlformats.org/drawingml/2006/lockedCanvas" xmlns:a16="http://schemas.microsoft.com/office/drawing/2014/main" xmlns="" id="{1E494D1A-A850-8664-359F-B5C2EF7FE428}"/>
+                <a16:creationId xmlns="" xmlns:a16="http://schemas.microsoft.com/office/drawing/2014/main" xmlns:lc="http://schemas.openxmlformats.org/drawingml/2006/lockedCanvas" id="{1E494D1A-A850-8664-359F-B5C2EF7FE428}"/>
               </a:ext>
             </a:extLst>
           </p:cNvPr>
@@ -10595,7 +10595,7 @@
           <p:cNvPr id="12" name="CasellaDiTesto 11">
             <a:extLst>
               <a:ext uri="{FF2B5EF4-FFF2-40B4-BE49-F238E27FC236}">
-                <a16:creationId xmlns:a16="http://schemas.microsoft.com/office/drawing/2014/main" xmlns="" id="{BDFA600A-5721-23F4-E95B-50E923AD9318}"/>
+                <a16:creationId xmlns="" xmlns:a16="http://schemas.microsoft.com/office/drawing/2014/main" id="{BDFA600A-5721-23F4-E95B-50E923AD9318}"/>
               </a:ext>
             </a:extLst>
           </p:cNvPr>
@@ -10635,7 +10635,7 @@
           <p:cNvPr id="14" name="CasellaDiTesto 13">
             <a:extLst>
               <a:ext uri="{FF2B5EF4-FFF2-40B4-BE49-F238E27FC236}">
-                <a16:creationId xmlns:a16="http://schemas.microsoft.com/office/drawing/2014/main" xmlns="" id="{D5646900-A5FD-7379-CEE8-6D23B907F6B7}"/>
+                <a16:creationId xmlns="" xmlns:a16="http://schemas.microsoft.com/office/drawing/2014/main" id="{D5646900-A5FD-7379-CEE8-6D23B907F6B7}"/>
               </a:ext>
             </a:extLst>
           </p:cNvPr>
@@ -10803,7 +10803,7 @@
           <p:cNvPr id="4" name="Rettangolo 3">
             <a:extLst>
               <a:ext uri="{FF2B5EF4-FFF2-40B4-BE49-F238E27FC236}">
-                <a16:creationId xmlns:lc="http://schemas.openxmlformats.org/drawingml/2006/lockedCanvas" xmlns:a16="http://schemas.microsoft.com/office/drawing/2014/main" xmlns="" id="{9345B740-46C0-0F59-BCE6-B6BB98E2D03A}"/>
+                <a16:creationId xmlns="" xmlns:a16="http://schemas.microsoft.com/office/drawing/2014/main" xmlns:lc="http://schemas.openxmlformats.org/drawingml/2006/lockedCanvas" id="{9345B740-46C0-0F59-BCE6-B6BB98E2D03A}"/>
               </a:ext>
             </a:extLst>
           </p:cNvPr>
@@ -10962,7 +10962,7 @@
           <p:cNvPr id="5" name="CasellaDiTesto 48">
             <a:extLst>
               <a:ext uri="{FF2B5EF4-FFF2-40B4-BE49-F238E27FC236}">
-                <a16:creationId xmlns:lc="http://schemas.openxmlformats.org/drawingml/2006/lockedCanvas" xmlns:a16="http://schemas.microsoft.com/office/drawing/2014/main" xmlns="" id="{1C78B549-E0D4-B794-143A-3AE79DE1EDD1}"/>
+                <a16:creationId xmlns="" xmlns:a16="http://schemas.microsoft.com/office/drawing/2014/main" xmlns:lc="http://schemas.openxmlformats.org/drawingml/2006/lockedCanvas" id="{1C78B549-E0D4-B794-143A-3AE79DE1EDD1}"/>
               </a:ext>
             </a:extLst>
           </p:cNvPr>
@@ -11085,9 +11085,6 @@
               </a:rPr>
               <a:t>Evaluation</a:t>
             </a:r>
-            <a:endParaRPr lang="it-IT" sz="3200" dirty="0">
-              <a:latin typeface="Raleway" panose="020B0503030101060003" pitchFamily="34" charset="0"/>
-            </a:endParaRPr>
           </a:p>
         </p:txBody>
       </p:sp>
@@ -11096,7 +11093,7 @@
           <p:cNvPr id="6" name="Rettangolo 5">
             <a:extLst>
               <a:ext uri="{FF2B5EF4-FFF2-40B4-BE49-F238E27FC236}">
-                <a16:creationId xmlns:lc="http://schemas.openxmlformats.org/drawingml/2006/lockedCanvas" xmlns:a16="http://schemas.microsoft.com/office/drawing/2014/main" xmlns="" id="{1E494D1A-A850-8664-359F-B5C2EF7FE428}"/>
+                <a16:creationId xmlns="" xmlns:a16="http://schemas.microsoft.com/office/drawing/2014/main" xmlns:lc="http://schemas.openxmlformats.org/drawingml/2006/lockedCanvas" id="{1E494D1A-A850-8664-359F-B5C2EF7FE428}"/>
               </a:ext>
             </a:extLst>
           </p:cNvPr>
@@ -11248,7 +11245,7 @@
           <p:cNvPr id="13" name="CasellaDiTesto 12">
             <a:extLst>
               <a:ext uri="{FF2B5EF4-FFF2-40B4-BE49-F238E27FC236}">
-                <a16:creationId xmlns:a16="http://schemas.microsoft.com/office/drawing/2014/main" xmlns="" id="{BDFA600A-5721-23F4-E95B-50E923AD9318}"/>
+                <a16:creationId xmlns="" xmlns:a16="http://schemas.microsoft.com/office/drawing/2014/main" id="{BDFA600A-5721-23F4-E95B-50E923AD9318}"/>
               </a:ext>
             </a:extLst>
           </p:cNvPr>
@@ -11294,7 +11291,7 @@
           <p:cNvPr id="14" name="CasellaDiTesto 13">
             <a:extLst>
               <a:ext uri="{FF2B5EF4-FFF2-40B4-BE49-F238E27FC236}">
-                <a16:creationId xmlns:a16="http://schemas.microsoft.com/office/drawing/2014/main" xmlns="" id="{D5646900-A5FD-7379-CEE8-6D23B907F6B7}"/>
+                <a16:creationId xmlns="" xmlns:a16="http://schemas.microsoft.com/office/drawing/2014/main" id="{D5646900-A5FD-7379-CEE8-6D23B907F6B7}"/>
               </a:ext>
             </a:extLst>
           </p:cNvPr>
@@ -11395,7 +11392,7 @@
           <p:cNvPr id="15" name="CasellaDiTesto 14">
             <a:extLst>
               <a:ext uri="{FF2B5EF4-FFF2-40B4-BE49-F238E27FC236}">
-                <a16:creationId xmlns:a16="http://schemas.microsoft.com/office/drawing/2014/main" xmlns="" id="{BDFA600A-5721-23F4-E95B-50E923AD9318}"/>
+                <a16:creationId xmlns="" xmlns:a16="http://schemas.microsoft.com/office/drawing/2014/main" id="{BDFA600A-5721-23F4-E95B-50E923AD9318}"/>
               </a:ext>
             </a:extLst>
           </p:cNvPr>
@@ -11435,7 +11432,7 @@
           <p:cNvPr id="16" name="CasellaDiTesto 15">
             <a:extLst>
               <a:ext uri="{FF2B5EF4-FFF2-40B4-BE49-F238E27FC236}">
-                <a16:creationId xmlns:a16="http://schemas.microsoft.com/office/drawing/2014/main" xmlns="" id="{D5646900-A5FD-7379-CEE8-6D23B907F6B7}"/>
+                <a16:creationId xmlns="" xmlns:a16="http://schemas.microsoft.com/office/drawing/2014/main" id="{D5646900-A5FD-7379-CEE8-6D23B907F6B7}"/>
               </a:ext>
             </a:extLst>
           </p:cNvPr>
@@ -11528,7 +11525,7 @@
           <p:cNvPr id="5" name="Rettangolo 4">
             <a:extLst>
               <a:ext uri="{FF2B5EF4-FFF2-40B4-BE49-F238E27FC236}">
-                <a16:creationId xmlns:lc="http://schemas.openxmlformats.org/drawingml/2006/lockedCanvas" xmlns:a16="http://schemas.microsoft.com/office/drawing/2014/main" xmlns="" id="{9345B740-46C0-0F59-BCE6-B6BB98E2D03A}"/>
+                <a16:creationId xmlns="" xmlns:a16="http://schemas.microsoft.com/office/drawing/2014/main" xmlns:lc="http://schemas.openxmlformats.org/drawingml/2006/lockedCanvas" id="{9345B740-46C0-0F59-BCE6-B6BB98E2D03A}"/>
               </a:ext>
             </a:extLst>
           </p:cNvPr>
@@ -11687,7 +11684,7 @@
           <p:cNvPr id="6" name="CasellaDiTesto 48">
             <a:extLst>
               <a:ext uri="{FF2B5EF4-FFF2-40B4-BE49-F238E27FC236}">
-                <a16:creationId xmlns:lc="http://schemas.openxmlformats.org/drawingml/2006/lockedCanvas" xmlns:a16="http://schemas.microsoft.com/office/drawing/2014/main" xmlns="" id="{1C78B549-E0D4-B794-143A-3AE79DE1EDD1}"/>
+                <a16:creationId xmlns="" xmlns:a16="http://schemas.microsoft.com/office/drawing/2014/main" xmlns:lc="http://schemas.openxmlformats.org/drawingml/2006/lockedCanvas" id="{1C78B549-E0D4-B794-143A-3AE79DE1EDD1}"/>
               </a:ext>
             </a:extLst>
           </p:cNvPr>
@@ -11821,7 +11818,7 @@
           <p:cNvPr id="7" name="CasellaDiTesto 50">
             <a:extLst>
               <a:ext uri="{FF2B5EF4-FFF2-40B4-BE49-F238E27FC236}">
-                <a16:creationId xmlns:lc="http://schemas.openxmlformats.org/drawingml/2006/lockedCanvas" xmlns:a16="http://schemas.microsoft.com/office/drawing/2014/main" xmlns="" id="{CF68CB9F-7D6D-5FC6-0526-088F1016E48F}"/>
+                <a16:creationId xmlns="" xmlns:a16="http://schemas.microsoft.com/office/drawing/2014/main" xmlns:lc="http://schemas.openxmlformats.org/drawingml/2006/lockedCanvas" id="{CF68CB9F-7D6D-5FC6-0526-088F1016E48F}"/>
               </a:ext>
             </a:extLst>
           </p:cNvPr>
@@ -12040,7 +12037,7 @@
           <p:cNvPr id="8" name="CasellaDiTesto 51">
             <a:extLst>
               <a:ext uri="{FF2B5EF4-FFF2-40B4-BE49-F238E27FC236}">
-                <a16:creationId xmlns:lc="http://schemas.openxmlformats.org/drawingml/2006/lockedCanvas" xmlns:a16="http://schemas.microsoft.com/office/drawing/2014/main" xmlns="" id="{8CCD2AD3-91B9-C9F6-08D0-5A5CCA67C4F9}"/>
+                <a16:creationId xmlns="" xmlns:a16="http://schemas.microsoft.com/office/drawing/2014/main" xmlns:lc="http://schemas.openxmlformats.org/drawingml/2006/lockedCanvas" id="{8CCD2AD3-91B9-C9F6-08D0-5A5CCA67C4F9}"/>
               </a:ext>
             </a:extLst>
           </p:cNvPr>
@@ -12197,7 +12194,7 @@
           <p:cNvPr id="9" name="Rettangolo 8">
             <a:extLst>
               <a:ext uri="{FF2B5EF4-FFF2-40B4-BE49-F238E27FC236}">
-                <a16:creationId xmlns:lc="http://schemas.openxmlformats.org/drawingml/2006/lockedCanvas" xmlns:a16="http://schemas.microsoft.com/office/drawing/2014/main" xmlns="" id="{1E494D1A-A850-8664-359F-B5C2EF7FE428}"/>
+                <a16:creationId xmlns="" xmlns:a16="http://schemas.microsoft.com/office/drawing/2014/main" xmlns:lc="http://schemas.openxmlformats.org/drawingml/2006/lockedCanvas" id="{1E494D1A-A850-8664-359F-B5C2EF7FE428}"/>
               </a:ext>
             </a:extLst>
           </p:cNvPr>
@@ -12386,7 +12383,7 @@
           <p:cNvPr id="9" name="Rettangolo 8">
             <a:extLst>
               <a:ext uri="{FF2B5EF4-FFF2-40B4-BE49-F238E27FC236}">
-                <a16:creationId xmlns:lc="http://schemas.openxmlformats.org/drawingml/2006/lockedCanvas" xmlns:a16="http://schemas.microsoft.com/office/drawing/2014/main" xmlns="" id="{9345B740-46C0-0F59-BCE6-B6BB98E2D03A}"/>
+                <a16:creationId xmlns="" xmlns:a16="http://schemas.microsoft.com/office/drawing/2014/main" xmlns:lc="http://schemas.openxmlformats.org/drawingml/2006/lockedCanvas" id="{9345B740-46C0-0F59-BCE6-B6BB98E2D03A}"/>
               </a:ext>
             </a:extLst>
           </p:cNvPr>
@@ -12539,7 +12536,7 @@
           <p:cNvPr id="10" name="CasellaDiTesto 48">
             <a:extLst>
               <a:ext uri="{FF2B5EF4-FFF2-40B4-BE49-F238E27FC236}">
-                <a16:creationId xmlns:lc="http://schemas.openxmlformats.org/drawingml/2006/lockedCanvas" xmlns:a16="http://schemas.microsoft.com/office/drawing/2014/main" xmlns="" id="{1C78B549-E0D4-B794-143A-3AE79DE1EDD1}"/>
+                <a16:creationId xmlns="" xmlns:a16="http://schemas.microsoft.com/office/drawing/2014/main" xmlns:lc="http://schemas.openxmlformats.org/drawingml/2006/lockedCanvas" id="{1C78B549-E0D4-B794-143A-3AE79DE1EDD1}"/>
               </a:ext>
             </a:extLst>
           </p:cNvPr>
@@ -12662,9 +12659,6 @@
               </a:rPr>
               <a:t>Evaluation</a:t>
             </a:r>
-            <a:endParaRPr lang="it-IT" sz="3200" dirty="0">
-              <a:latin typeface="Raleway" panose="020B0503030101060003" pitchFamily="34" charset="0"/>
-            </a:endParaRPr>
           </a:p>
         </p:txBody>
       </p:sp>
@@ -12673,7 +12667,7 @@
           <p:cNvPr id="12" name="Rettangolo 11">
             <a:extLst>
               <a:ext uri="{FF2B5EF4-FFF2-40B4-BE49-F238E27FC236}">
-                <a16:creationId xmlns:lc="http://schemas.openxmlformats.org/drawingml/2006/lockedCanvas" xmlns:a16="http://schemas.microsoft.com/office/drawing/2014/main" xmlns="" id="{1E494D1A-A850-8664-359F-B5C2EF7FE428}"/>
+                <a16:creationId xmlns="" xmlns:a16="http://schemas.microsoft.com/office/drawing/2014/main" xmlns:lc="http://schemas.openxmlformats.org/drawingml/2006/lockedCanvas" id="{1E494D1A-A850-8664-359F-B5C2EF7FE428}"/>
               </a:ext>
             </a:extLst>
           </p:cNvPr>
@@ -12825,7 +12819,7 @@
           <p:cNvPr id="6" name="CasellaDiTesto 5">
             <a:extLst>
               <a:ext uri="{FF2B5EF4-FFF2-40B4-BE49-F238E27FC236}">
-                <a16:creationId xmlns:a16="http://schemas.microsoft.com/office/drawing/2014/main" xmlns="" id="{D5646900-A5FD-7379-CEE8-6D23B907F6B7}"/>
+                <a16:creationId xmlns="" xmlns:a16="http://schemas.microsoft.com/office/drawing/2014/main" id="{D5646900-A5FD-7379-CEE8-6D23B907F6B7}"/>
               </a:ext>
             </a:extLst>
           </p:cNvPr>
@@ -12902,7 +12896,7 @@
           <p:cNvPr id="8" name="Tabella 18">
             <a:extLst>
               <a:ext uri="{FF2B5EF4-FFF2-40B4-BE49-F238E27FC236}">
-                <a16:creationId xmlns:a16="http://schemas.microsoft.com/office/drawing/2014/main" xmlns="" id="{5022DCE4-AF1C-190F-F5ED-C83286E0F8F0}"/>
+                <a16:creationId xmlns="" xmlns:a16="http://schemas.microsoft.com/office/drawing/2014/main" id="{5022DCE4-AF1C-190F-F5ED-C83286E0F8F0}"/>
               </a:ext>
             </a:extLst>
           </p:cNvPr>
@@ -12931,35 +12925,35 @@
                 <a:gridCol w="1126745">
                   <a:extLst>
                     <a:ext uri="{9D8B030D-6E8A-4147-A177-3AD203B41FA5}">
-                      <a16:colId xmlns:a16="http://schemas.microsoft.com/office/drawing/2014/main" xmlns="" val="2848441919"/>
+                      <a16:colId xmlns="" xmlns:a16="http://schemas.microsoft.com/office/drawing/2014/main" val="2848441919"/>
                     </a:ext>
                   </a:extLst>
                 </a:gridCol>
                 <a:gridCol w="1856232">
                   <a:extLst>
                     <a:ext uri="{9D8B030D-6E8A-4147-A177-3AD203B41FA5}">
-                      <a16:colId xmlns:a16="http://schemas.microsoft.com/office/drawing/2014/main" xmlns="" val="3690681005"/>
+                      <a16:colId xmlns="" xmlns:a16="http://schemas.microsoft.com/office/drawing/2014/main" val="3690681005"/>
                     </a:ext>
                   </a:extLst>
                 </a:gridCol>
                 <a:gridCol w="1344168">
                   <a:extLst>
                     <a:ext uri="{9D8B030D-6E8A-4147-A177-3AD203B41FA5}">
-                      <a16:colId xmlns:a16="http://schemas.microsoft.com/office/drawing/2014/main" xmlns="" val="1718640456"/>
+                      <a16:colId xmlns="" xmlns:a16="http://schemas.microsoft.com/office/drawing/2014/main" val="1718640456"/>
                     </a:ext>
                   </a:extLst>
                 </a:gridCol>
                 <a:gridCol w="2039112">
                   <a:extLst>
                     <a:ext uri="{9D8B030D-6E8A-4147-A177-3AD203B41FA5}">
-                      <a16:colId xmlns:a16="http://schemas.microsoft.com/office/drawing/2014/main" xmlns="" val="1893298888"/>
+                      <a16:colId xmlns="" xmlns:a16="http://schemas.microsoft.com/office/drawing/2014/main" val="1893298888"/>
                     </a:ext>
                   </a:extLst>
                 </a:gridCol>
                 <a:gridCol w="1911096">
                   <a:extLst>
                     <a:ext uri="{9D8B030D-6E8A-4147-A177-3AD203B41FA5}">
-                      <a16:colId xmlns:a16="http://schemas.microsoft.com/office/drawing/2014/main" xmlns="" val="4121846633"/>
+                      <a16:colId xmlns="" xmlns:a16="http://schemas.microsoft.com/office/drawing/2014/main" val="4121846633"/>
                     </a:ext>
                   </a:extLst>
                 </a:gridCol>
@@ -13238,7 +13232,7 @@
                 </a:tc>
                 <a:extLst>
                   <a:ext uri="{0D108BD9-81ED-4DB2-BD59-A6C34878D82A}">
-                    <a16:rowId xmlns:a16="http://schemas.microsoft.com/office/drawing/2014/main" xmlns="" val="1440441767"/>
+                    <a16:rowId xmlns="" xmlns:a16="http://schemas.microsoft.com/office/drawing/2014/main" val="1440441767"/>
                   </a:ext>
                 </a:extLst>
               </a:tr>
@@ -13393,7 +13387,7 @@
                 </a:tc>
                 <a:extLst>
                   <a:ext uri="{0D108BD9-81ED-4DB2-BD59-A6C34878D82A}">
-                    <a16:rowId xmlns:a16="http://schemas.microsoft.com/office/drawing/2014/main" xmlns="" val="2102806220"/>
+                    <a16:rowId xmlns="" xmlns:a16="http://schemas.microsoft.com/office/drawing/2014/main" val="2102806220"/>
                   </a:ext>
                 </a:extLst>
               </a:tr>
@@ -13548,7 +13542,7 @@
                 </a:tc>
                 <a:extLst>
                   <a:ext uri="{0D108BD9-81ED-4DB2-BD59-A6C34878D82A}">
-                    <a16:rowId xmlns:a16="http://schemas.microsoft.com/office/drawing/2014/main" xmlns="" val="770819832"/>
+                    <a16:rowId xmlns="" xmlns:a16="http://schemas.microsoft.com/office/drawing/2014/main" val="770819832"/>
                   </a:ext>
                 </a:extLst>
               </a:tr>
@@ -13697,7 +13691,7 @@
                 </a:tc>
                 <a:extLst>
                   <a:ext uri="{0D108BD9-81ED-4DB2-BD59-A6C34878D82A}">
-                    <a16:rowId xmlns:a16="http://schemas.microsoft.com/office/drawing/2014/main" xmlns="" val="4167631301"/>
+                    <a16:rowId xmlns="" xmlns:a16="http://schemas.microsoft.com/office/drawing/2014/main" val="4167631301"/>
                   </a:ext>
                 </a:extLst>
               </a:tr>
@@ -13852,7 +13846,7 @@
                 </a:tc>
                 <a:extLst>
                   <a:ext uri="{0D108BD9-81ED-4DB2-BD59-A6C34878D82A}">
-                    <a16:rowId xmlns:a16="http://schemas.microsoft.com/office/drawing/2014/main" xmlns="" val="1411036552"/>
+                    <a16:rowId xmlns="" xmlns:a16="http://schemas.microsoft.com/office/drawing/2014/main" val="1411036552"/>
                   </a:ext>
                 </a:extLst>
               </a:tr>
@@ -13865,7 +13859,7 @@
           <p:cNvPr id="11" name="CasellaDiTesto 10">
             <a:extLst>
               <a:ext uri="{FF2B5EF4-FFF2-40B4-BE49-F238E27FC236}">
-                <a16:creationId xmlns:a16="http://schemas.microsoft.com/office/drawing/2014/main" xmlns="" id="{B3C64E8C-5D9D-DBCA-98AD-E4E2DBA9DD75}"/>
+                <a16:creationId xmlns="" xmlns:a16="http://schemas.microsoft.com/office/drawing/2014/main" id="{B3C64E8C-5D9D-DBCA-98AD-E4E2DBA9DD75}"/>
               </a:ext>
             </a:extLst>
           </p:cNvPr>
@@ -14052,7 +14046,7 @@
           <p:cNvPr id="13" name="CasellaDiTesto 12">
             <a:extLst>
               <a:ext uri="{FF2B5EF4-FFF2-40B4-BE49-F238E27FC236}">
-                <a16:creationId xmlns:a16="http://schemas.microsoft.com/office/drawing/2014/main" xmlns="" id="{D2D20633-72A1-3111-E3D8-2DD74431937C}"/>
+                <a16:creationId xmlns="" xmlns:a16="http://schemas.microsoft.com/office/drawing/2014/main" id="{D2D20633-72A1-3111-E3D8-2DD74431937C}"/>
               </a:ext>
             </a:extLst>
           </p:cNvPr>
@@ -14092,7 +14086,7 @@
           <p:cNvPr id="14" name="CasellaDiTesto 13">
             <a:extLst>
               <a:ext uri="{FF2B5EF4-FFF2-40B4-BE49-F238E27FC236}">
-                <a16:creationId xmlns:a16="http://schemas.microsoft.com/office/drawing/2014/main" xmlns="" id="{4BE10FF2-C04A-20CD-E794-D40624E3162E}"/>
+                <a16:creationId xmlns="" xmlns:a16="http://schemas.microsoft.com/office/drawing/2014/main" id="{4BE10FF2-C04A-20CD-E794-D40624E3162E}"/>
               </a:ext>
             </a:extLst>
           </p:cNvPr>
@@ -14186,7 +14180,7 @@
           <p:cNvPr id="9" name="Rettangolo 8">
             <a:extLst>
               <a:ext uri="{FF2B5EF4-FFF2-40B4-BE49-F238E27FC236}">
-                <a16:creationId xmlns:lc="http://schemas.openxmlformats.org/drawingml/2006/lockedCanvas" xmlns:a16="http://schemas.microsoft.com/office/drawing/2014/main" xmlns="" id="{9345B740-46C0-0F59-BCE6-B6BB98E2D03A}"/>
+                <a16:creationId xmlns="" xmlns:a16="http://schemas.microsoft.com/office/drawing/2014/main" xmlns:lc="http://schemas.openxmlformats.org/drawingml/2006/lockedCanvas" id="{9345B740-46C0-0F59-BCE6-B6BB98E2D03A}"/>
               </a:ext>
             </a:extLst>
           </p:cNvPr>
@@ -14354,7 +14348,7 @@
           <p:cNvPr id="10" name="CasellaDiTesto 48">
             <a:extLst>
               <a:ext uri="{FF2B5EF4-FFF2-40B4-BE49-F238E27FC236}">
-                <a16:creationId xmlns:lc="http://schemas.openxmlformats.org/drawingml/2006/lockedCanvas" xmlns:a16="http://schemas.microsoft.com/office/drawing/2014/main" xmlns="" id="{1C78B549-E0D4-B794-143A-3AE79DE1EDD1}"/>
+                <a16:creationId xmlns="" xmlns:a16="http://schemas.microsoft.com/office/drawing/2014/main" xmlns:lc="http://schemas.openxmlformats.org/drawingml/2006/lockedCanvas" id="{1C78B549-E0D4-B794-143A-3AE79DE1EDD1}"/>
               </a:ext>
             </a:extLst>
           </p:cNvPr>
@@ -14477,9 +14471,6 @@
               </a:rPr>
               <a:t>Evaluation</a:t>
             </a:r>
-            <a:endParaRPr lang="it-IT" sz="3200" dirty="0">
-              <a:latin typeface="Raleway" panose="020B0503030101060003" pitchFamily="34" charset="0"/>
-            </a:endParaRPr>
           </a:p>
         </p:txBody>
       </p:sp>
@@ -14488,7 +14479,7 @@
           <p:cNvPr id="12" name="Rettangolo 11">
             <a:extLst>
               <a:ext uri="{FF2B5EF4-FFF2-40B4-BE49-F238E27FC236}">
-                <a16:creationId xmlns:lc="http://schemas.openxmlformats.org/drawingml/2006/lockedCanvas" xmlns:a16="http://schemas.microsoft.com/office/drawing/2014/main" xmlns="" id="{1E494D1A-A850-8664-359F-B5C2EF7FE428}"/>
+                <a16:creationId xmlns="" xmlns:a16="http://schemas.microsoft.com/office/drawing/2014/main" xmlns:lc="http://schemas.openxmlformats.org/drawingml/2006/lockedCanvas" id="{1E494D1A-A850-8664-359F-B5C2EF7FE428}"/>
               </a:ext>
             </a:extLst>
           </p:cNvPr>
@@ -14640,7 +14631,7 @@
           <p:cNvPr id="6" name="CasellaDiTesto 5">
             <a:extLst>
               <a:ext uri="{FF2B5EF4-FFF2-40B4-BE49-F238E27FC236}">
-                <a16:creationId xmlns:a16="http://schemas.microsoft.com/office/drawing/2014/main" xmlns="" id="{D5646900-A5FD-7379-CEE8-6D23B907F6B7}"/>
+                <a16:creationId xmlns="" xmlns:a16="http://schemas.microsoft.com/office/drawing/2014/main" id="{D5646900-A5FD-7379-CEE8-6D23B907F6B7}"/>
               </a:ext>
             </a:extLst>
           </p:cNvPr>
@@ -14687,7 +14678,7 @@
           <p:cNvPr id="8" name="Tabella 18">
             <a:extLst>
               <a:ext uri="{FF2B5EF4-FFF2-40B4-BE49-F238E27FC236}">
-                <a16:creationId xmlns:a16="http://schemas.microsoft.com/office/drawing/2014/main" xmlns="" id="{5022DCE4-AF1C-190F-F5ED-C83286E0F8F0}"/>
+                <a16:creationId xmlns="" xmlns:a16="http://schemas.microsoft.com/office/drawing/2014/main" id="{5022DCE4-AF1C-190F-F5ED-C83286E0F8F0}"/>
               </a:ext>
             </a:extLst>
           </p:cNvPr>
@@ -14704,7 +14695,7 @@
         </p:nvGraphicFramePr>
         <p:xfrm>
           <a:off x="508265" y="3131713"/>
-          <a:ext cx="8277353" cy="1988630"/>
+          <a:ext cx="8277353" cy="2005203"/>
         </p:xfrm>
         <a:graphic>
           <a:graphicData uri="http://schemas.openxmlformats.org/drawingml/2006/table">
@@ -14716,35 +14707,35 @@
                 <a:gridCol w="1126745">
                   <a:extLst>
                     <a:ext uri="{9D8B030D-6E8A-4147-A177-3AD203B41FA5}">
-                      <a16:colId xmlns:a16="http://schemas.microsoft.com/office/drawing/2014/main" xmlns="" val="2848441919"/>
+                      <a16:colId xmlns="" xmlns:a16="http://schemas.microsoft.com/office/drawing/2014/main" val="2848441919"/>
                     </a:ext>
                   </a:extLst>
                 </a:gridCol>
                 <a:gridCol w="1856232">
                   <a:extLst>
                     <a:ext uri="{9D8B030D-6E8A-4147-A177-3AD203B41FA5}">
-                      <a16:colId xmlns:a16="http://schemas.microsoft.com/office/drawing/2014/main" xmlns="" val="3690681005"/>
+                      <a16:colId xmlns="" xmlns:a16="http://schemas.microsoft.com/office/drawing/2014/main" val="3690681005"/>
                     </a:ext>
                   </a:extLst>
                 </a:gridCol>
                 <a:gridCol w="1344168">
                   <a:extLst>
                     <a:ext uri="{9D8B030D-6E8A-4147-A177-3AD203B41FA5}">
-                      <a16:colId xmlns:a16="http://schemas.microsoft.com/office/drawing/2014/main" xmlns="" val="1718640456"/>
+                      <a16:colId xmlns="" xmlns:a16="http://schemas.microsoft.com/office/drawing/2014/main" val="1718640456"/>
                     </a:ext>
                   </a:extLst>
                 </a:gridCol>
                 <a:gridCol w="2039112">
                   <a:extLst>
                     <a:ext uri="{9D8B030D-6E8A-4147-A177-3AD203B41FA5}">
-                      <a16:colId xmlns:a16="http://schemas.microsoft.com/office/drawing/2014/main" xmlns="" val="1893298888"/>
+                      <a16:colId xmlns="" xmlns:a16="http://schemas.microsoft.com/office/drawing/2014/main" val="1893298888"/>
                     </a:ext>
                   </a:extLst>
                 </a:gridCol>
                 <a:gridCol w="1911096">
                   <a:extLst>
                     <a:ext uri="{9D8B030D-6E8A-4147-A177-3AD203B41FA5}">
-                      <a16:colId xmlns:a16="http://schemas.microsoft.com/office/drawing/2014/main" xmlns="" val="4121846633"/>
+                      <a16:colId xmlns="" xmlns:a16="http://schemas.microsoft.com/office/drawing/2014/main" val="4121846633"/>
                     </a:ext>
                   </a:extLst>
                 </a:gridCol>
@@ -15043,7 +15034,7 @@
                 </a:tc>
                 <a:extLst>
                   <a:ext uri="{0D108BD9-81ED-4DB2-BD59-A6C34878D82A}">
-                    <a16:rowId xmlns:a16="http://schemas.microsoft.com/office/drawing/2014/main" xmlns="" val="1440441767"/>
+                    <a16:rowId xmlns="" xmlns:a16="http://schemas.microsoft.com/office/drawing/2014/main" val="1440441767"/>
                   </a:ext>
                 </a:extLst>
               </a:tr>
@@ -15198,7 +15189,7 @@
                 </a:tc>
                 <a:extLst>
                   <a:ext uri="{0D108BD9-81ED-4DB2-BD59-A6C34878D82A}">
-                    <a16:rowId xmlns:a16="http://schemas.microsoft.com/office/drawing/2014/main" xmlns="" val="2102806220"/>
+                    <a16:rowId xmlns="" xmlns:a16="http://schemas.microsoft.com/office/drawing/2014/main" val="2102806220"/>
                   </a:ext>
                 </a:extLst>
               </a:tr>
@@ -15353,7 +15344,7 @@
                 </a:tc>
                 <a:extLst>
                   <a:ext uri="{0D108BD9-81ED-4DB2-BD59-A6C34878D82A}">
-                    <a16:rowId xmlns:a16="http://schemas.microsoft.com/office/drawing/2014/main" xmlns="" val="770819832"/>
+                    <a16:rowId xmlns="" xmlns:a16="http://schemas.microsoft.com/office/drawing/2014/main" val="770819832"/>
                   </a:ext>
                 </a:extLst>
               </a:tr>
@@ -15502,7 +15493,7 @@
                 </a:tc>
                 <a:extLst>
                   <a:ext uri="{0D108BD9-81ED-4DB2-BD59-A6C34878D82A}">
-                    <a16:rowId xmlns:a16="http://schemas.microsoft.com/office/drawing/2014/main" xmlns="" val="4167631301"/>
+                    <a16:rowId xmlns="" xmlns:a16="http://schemas.microsoft.com/office/drawing/2014/main" val="4167631301"/>
                   </a:ext>
                 </a:extLst>
               </a:tr>
@@ -15657,7 +15648,7 @@
                 </a:tc>
                 <a:extLst>
                   <a:ext uri="{0D108BD9-81ED-4DB2-BD59-A6C34878D82A}">
-                    <a16:rowId xmlns:a16="http://schemas.microsoft.com/office/drawing/2014/main" xmlns="" val="1411036552"/>
+                    <a16:rowId xmlns="" xmlns:a16="http://schemas.microsoft.com/office/drawing/2014/main" val="1411036552"/>
                   </a:ext>
                 </a:extLst>
               </a:tr>
@@ -15670,7 +15661,7 @@
           <p:cNvPr id="11" name="CasellaDiTesto 10">
             <a:extLst>
               <a:ext uri="{FF2B5EF4-FFF2-40B4-BE49-F238E27FC236}">
-                <a16:creationId xmlns:a16="http://schemas.microsoft.com/office/drawing/2014/main" xmlns="" id="{B3C64E8C-5D9D-DBCA-98AD-E4E2DBA9DD75}"/>
+                <a16:creationId xmlns="" xmlns:a16="http://schemas.microsoft.com/office/drawing/2014/main" id="{B3C64E8C-5D9D-DBCA-98AD-E4E2DBA9DD75}"/>
               </a:ext>
             </a:extLst>
           </p:cNvPr>
@@ -15857,7 +15848,7 @@
           <p:cNvPr id="13" name="CasellaDiTesto 12">
             <a:extLst>
               <a:ext uri="{FF2B5EF4-FFF2-40B4-BE49-F238E27FC236}">
-                <a16:creationId xmlns:a16="http://schemas.microsoft.com/office/drawing/2014/main" xmlns="" id="{D2D20633-72A1-3111-E3D8-2DD74431937C}"/>
+                <a16:creationId xmlns="" xmlns:a16="http://schemas.microsoft.com/office/drawing/2014/main" id="{D2D20633-72A1-3111-E3D8-2DD74431937C}"/>
               </a:ext>
             </a:extLst>
           </p:cNvPr>
@@ -15897,7 +15888,7 @@
           <p:cNvPr id="14" name="CasellaDiTesto 13">
             <a:extLst>
               <a:ext uri="{FF2B5EF4-FFF2-40B4-BE49-F238E27FC236}">
-                <a16:creationId xmlns:a16="http://schemas.microsoft.com/office/drawing/2014/main" xmlns="" id="{4BE10FF2-C04A-20CD-E794-D40624E3162E}"/>
+                <a16:creationId xmlns="" xmlns:a16="http://schemas.microsoft.com/office/drawing/2014/main" id="{4BE10FF2-C04A-20CD-E794-D40624E3162E}"/>
               </a:ext>
             </a:extLst>
           </p:cNvPr>
@@ -15991,7 +15982,7 @@
           <p:cNvPr id="9" name="Rettangolo 8">
             <a:extLst>
               <a:ext uri="{FF2B5EF4-FFF2-40B4-BE49-F238E27FC236}">
-                <a16:creationId xmlns:lc="http://schemas.openxmlformats.org/drawingml/2006/lockedCanvas" xmlns:a16="http://schemas.microsoft.com/office/drawing/2014/main" xmlns="" id="{9345B740-46C0-0F59-BCE6-B6BB98E2D03A}"/>
+                <a16:creationId xmlns="" xmlns:a16="http://schemas.microsoft.com/office/drawing/2014/main" xmlns:lc="http://schemas.openxmlformats.org/drawingml/2006/lockedCanvas" id="{9345B740-46C0-0F59-BCE6-B6BB98E2D03A}"/>
               </a:ext>
             </a:extLst>
           </p:cNvPr>
@@ -16150,7 +16141,7 @@
           <p:cNvPr id="10" name="CasellaDiTesto 48">
             <a:extLst>
               <a:ext uri="{FF2B5EF4-FFF2-40B4-BE49-F238E27FC236}">
-                <a16:creationId xmlns:lc="http://schemas.openxmlformats.org/drawingml/2006/lockedCanvas" xmlns:a16="http://schemas.microsoft.com/office/drawing/2014/main" xmlns="" id="{1C78B549-E0D4-B794-143A-3AE79DE1EDD1}"/>
+                <a16:creationId xmlns="" xmlns:a16="http://schemas.microsoft.com/office/drawing/2014/main" xmlns:lc="http://schemas.openxmlformats.org/drawingml/2006/lockedCanvas" id="{1C78B549-E0D4-B794-143A-3AE79DE1EDD1}"/>
               </a:ext>
             </a:extLst>
           </p:cNvPr>
@@ -16284,7 +16275,7 @@
           <p:cNvPr id="12" name="Rettangolo 11">
             <a:extLst>
               <a:ext uri="{FF2B5EF4-FFF2-40B4-BE49-F238E27FC236}">
-                <a16:creationId xmlns:lc="http://schemas.openxmlformats.org/drawingml/2006/lockedCanvas" xmlns:a16="http://schemas.microsoft.com/office/drawing/2014/main" xmlns="" id="{1E494D1A-A850-8664-359F-B5C2EF7FE428}"/>
+                <a16:creationId xmlns="" xmlns:a16="http://schemas.microsoft.com/office/drawing/2014/main" xmlns:lc="http://schemas.openxmlformats.org/drawingml/2006/lockedCanvas" id="{1E494D1A-A850-8664-359F-B5C2EF7FE428}"/>
               </a:ext>
             </a:extLst>
           </p:cNvPr>
@@ -16682,7 +16673,7 @@
           <p:cNvPr id="9" name="Rettangolo 8">
             <a:extLst>
               <a:ext uri="{FF2B5EF4-FFF2-40B4-BE49-F238E27FC236}">
-                <a16:creationId xmlns:lc="http://schemas.openxmlformats.org/drawingml/2006/lockedCanvas" xmlns:a16="http://schemas.microsoft.com/office/drawing/2014/main" xmlns="" id="{9345B740-46C0-0F59-BCE6-B6BB98E2D03A}"/>
+                <a16:creationId xmlns="" xmlns:a16="http://schemas.microsoft.com/office/drawing/2014/main" xmlns:lc="http://schemas.openxmlformats.org/drawingml/2006/lockedCanvas" id="{9345B740-46C0-0F59-BCE6-B6BB98E2D03A}"/>
               </a:ext>
             </a:extLst>
           </p:cNvPr>
@@ -16841,7 +16832,7 @@
           <p:cNvPr id="10" name="CasellaDiTesto 48">
             <a:extLst>
               <a:ext uri="{FF2B5EF4-FFF2-40B4-BE49-F238E27FC236}">
-                <a16:creationId xmlns:lc="http://schemas.openxmlformats.org/drawingml/2006/lockedCanvas" xmlns:a16="http://schemas.microsoft.com/office/drawing/2014/main" xmlns="" id="{1C78B549-E0D4-B794-143A-3AE79DE1EDD1}"/>
+                <a16:creationId xmlns="" xmlns:a16="http://schemas.microsoft.com/office/drawing/2014/main" xmlns:lc="http://schemas.openxmlformats.org/drawingml/2006/lockedCanvas" id="{1C78B549-E0D4-B794-143A-3AE79DE1EDD1}"/>
               </a:ext>
             </a:extLst>
           </p:cNvPr>
@@ -16975,7 +16966,7 @@
           <p:cNvPr id="12" name="Rettangolo 11">
             <a:extLst>
               <a:ext uri="{FF2B5EF4-FFF2-40B4-BE49-F238E27FC236}">
-                <a16:creationId xmlns:lc="http://schemas.openxmlformats.org/drawingml/2006/lockedCanvas" xmlns:a16="http://schemas.microsoft.com/office/drawing/2014/main" xmlns="" id="{1E494D1A-A850-8664-359F-B5C2EF7FE428}"/>
+                <a16:creationId xmlns="" xmlns:a16="http://schemas.microsoft.com/office/drawing/2014/main" xmlns:lc="http://schemas.openxmlformats.org/drawingml/2006/lockedCanvas" id="{1E494D1A-A850-8664-359F-B5C2EF7FE428}"/>
               </a:ext>
             </a:extLst>
           </p:cNvPr>
@@ -17365,9 +17356,14 @@
           <a:p>
             <a:pPr algn="ctr"/>
             <a:r>
-              <a:rPr lang="it-IT"/>
-              <a:t>Roma, 31 Luglio 2023</a:t>
-            </a:r>
+              <a:rPr lang="it-IT" dirty="0"/>
+              <a:t>Roma, </a:t>
+            </a:r>
+            <a:r>
+              <a:rPr lang="it-IT" dirty="0" smtClean="0"/>
+              <a:t>(?) (?) 202(?)</a:t>
+            </a:r>
+            <a:endParaRPr lang="it-IT" dirty="0"/>
           </a:p>
         </p:txBody>
       </p:sp>
@@ -17416,7 +17412,7 @@
           <p:cNvPr id="4" name="Rettangolo 3">
             <a:extLst>
               <a:ext uri="{FF2B5EF4-FFF2-40B4-BE49-F238E27FC236}">
-                <a16:creationId xmlns:lc="http://schemas.openxmlformats.org/drawingml/2006/lockedCanvas" xmlns:a16="http://schemas.microsoft.com/office/drawing/2014/main" xmlns="" id="{9345B740-46C0-0F59-BCE6-B6BB98E2D03A}"/>
+                <a16:creationId xmlns="" xmlns:a16="http://schemas.microsoft.com/office/drawing/2014/main" xmlns:lc="http://schemas.openxmlformats.org/drawingml/2006/lockedCanvas" id="{9345B740-46C0-0F59-BCE6-B6BB98E2D03A}"/>
               </a:ext>
             </a:extLst>
           </p:cNvPr>
@@ -17575,7 +17571,7 @@
           <p:cNvPr id="5" name="CasellaDiTesto 48">
             <a:extLst>
               <a:ext uri="{FF2B5EF4-FFF2-40B4-BE49-F238E27FC236}">
-                <a16:creationId xmlns:lc="http://schemas.openxmlformats.org/drawingml/2006/lockedCanvas" xmlns:a16="http://schemas.microsoft.com/office/drawing/2014/main" xmlns="" id="{1C78B549-E0D4-B794-143A-3AE79DE1EDD1}"/>
+                <a16:creationId xmlns="" xmlns:a16="http://schemas.microsoft.com/office/drawing/2014/main" xmlns:lc="http://schemas.openxmlformats.org/drawingml/2006/lockedCanvas" id="{1C78B549-E0D4-B794-143A-3AE79DE1EDD1}"/>
               </a:ext>
             </a:extLst>
           </p:cNvPr>
@@ -17709,7 +17705,7 @@
           <p:cNvPr id="7" name="CasellaDiTesto 51">
             <a:extLst>
               <a:ext uri="{FF2B5EF4-FFF2-40B4-BE49-F238E27FC236}">
-                <a16:creationId xmlns:lc="http://schemas.openxmlformats.org/drawingml/2006/lockedCanvas" xmlns:a16="http://schemas.microsoft.com/office/drawing/2014/main" xmlns="" id="{8CCD2AD3-91B9-C9F6-08D0-5A5CCA67C4F9}"/>
+                <a16:creationId xmlns="" xmlns:a16="http://schemas.microsoft.com/office/drawing/2014/main" xmlns:lc="http://schemas.openxmlformats.org/drawingml/2006/lockedCanvas" id="{8CCD2AD3-91B9-C9F6-08D0-5A5CCA67C4F9}"/>
               </a:ext>
             </a:extLst>
           </p:cNvPr>
@@ -17719,7 +17715,7 @@
         <p:spPr>
           <a:xfrm>
             <a:off x="471780" y="1538305"/>
-            <a:ext cx="11223338" cy="3477875"/>
+            <a:ext cx="11223338" cy="4093428"/>
           </a:xfrm>
           <a:prstGeom prst="rect">
             <a:avLst/>
@@ -17839,27 +17835,96 @@
             </a:endParaRPr>
           </a:p>
           <a:p>
+            <a:pPr marL="742950" lvl="1" indent="-285750">
+              <a:buFont typeface="Wingdings" panose="05000000000000000000" pitchFamily="2" charset="2"/>
+              <a:buChar char="Ø"/>
+            </a:pPr>
+            <a:r>
+              <a:rPr lang="it-IT" sz="2000" dirty="0" smtClean="0">
+                <a:latin typeface="Raleway" panose="020B0503030101060003" pitchFamily="34" charset="0"/>
+              </a:rPr>
+              <a:t>Insieme </a:t>
+            </a:r>
+            <a:r>
+              <a:rPr lang="it-IT" sz="2000" dirty="0">
+                <a:latin typeface="Raleway" panose="020B0503030101060003" pitchFamily="34" charset="0"/>
+              </a:rPr>
+              <a:t>di documenti (pdf) dei vari corsi universitari</a:t>
+            </a:r>
+            <a:r>
+              <a:rPr lang="it-IT" sz="2000" dirty="0" smtClean="0">
+                <a:latin typeface="Raleway" panose="020B0503030101060003" pitchFamily="34" charset="0"/>
+              </a:rPr>
+              <a:t>.</a:t>
+            </a:r>
+          </a:p>
+          <a:p>
             <a:pPr marL="285750" indent="-285750">
               <a:buFont typeface="Wingdings" panose="05000000000000000000" pitchFamily="2" charset="2"/>
               <a:buChar char="Ø"/>
             </a:pPr>
-            <a:r>
-              <a:rPr lang="it-IT" dirty="0" smtClean="0">
-                <a:latin typeface="Raleway" panose="020B0503030101060003" pitchFamily="34" charset="0"/>
-              </a:rPr>
-              <a:t>Insieme </a:t>
-            </a:r>
-            <a:r>
-              <a:rPr lang="it-IT" dirty="0">
-                <a:latin typeface="Raleway" panose="020B0503030101060003" pitchFamily="34" charset="0"/>
-              </a:rPr>
-              <a:t>di documenti (pdf) dei vari corsi universitari</a:t>
-            </a:r>
-            <a:r>
-              <a:rPr lang="it-IT" dirty="0" smtClean="0">
+            <a:endParaRPr lang="it-IT" sz="2000" dirty="0">
+              <a:latin typeface="Raleway" panose="020B0503030101060003" pitchFamily="34" charset="0"/>
+            </a:endParaRPr>
+          </a:p>
+          <a:p>
+            <a:pPr marL="742950" lvl="1" indent="-285750">
+              <a:buFont typeface="Wingdings" panose="05000000000000000000" pitchFamily="2" charset="2"/>
+              <a:buChar char="Ø"/>
+            </a:pPr>
+            <a:r>
+              <a:rPr lang="it-IT" sz="2000" dirty="0">
+                <a:latin typeface="Raleway" panose="020B0503030101060003" pitchFamily="34" charset="0"/>
+              </a:rPr>
+              <a:t>Diversi corsi possono trattare argomenti uguali o simili</a:t>
+            </a:r>
+            <a:r>
+              <a:rPr lang="it-IT" sz="2000" dirty="0" smtClean="0">
                 <a:latin typeface="Raleway" panose="020B0503030101060003" pitchFamily="34" charset="0"/>
               </a:rPr>
               <a:t>.</a:t>
+            </a:r>
+          </a:p>
+          <a:p>
+            <a:endParaRPr lang="it-IT" sz="2400" dirty="0">
+              <a:latin typeface="Raleway" panose="020B0503030101060003" pitchFamily="34" charset="0"/>
+            </a:endParaRPr>
+          </a:p>
+          <a:p>
+            <a:r>
+              <a:rPr lang="it-IT" sz="2400" dirty="0" smtClean="0">
+                <a:latin typeface="Raleway" panose="020B0503030101060003" pitchFamily="34" charset="0"/>
+              </a:rPr>
+              <a:t>Soluzione </a:t>
+            </a:r>
+            <a:r>
+              <a:rPr lang="it-IT" sz="2400" dirty="0" smtClean="0">
+                <a:latin typeface="Raleway" panose="020B0503030101060003" pitchFamily="34" charset="0"/>
+              </a:rPr>
+              <a:t>Attuale</a:t>
+            </a:r>
+          </a:p>
+          <a:p>
+            <a:endParaRPr lang="it-IT" dirty="0">
+              <a:latin typeface="Raleway" panose="020B0503030101060003" pitchFamily="34" charset="0"/>
+            </a:endParaRPr>
+          </a:p>
+          <a:p>
+            <a:pPr marL="742950" lvl="1" indent="-285750">
+              <a:buFont typeface="Wingdings" panose="05000000000000000000" pitchFamily="2" charset="2"/>
+              <a:buChar char="Ø"/>
+            </a:pPr>
+            <a:r>
+              <a:rPr lang="it-IT" sz="2000" dirty="0">
+                <a:latin typeface="Raleway" panose="020B0503030101060003" pitchFamily="34" charset="0"/>
+              </a:rPr>
+              <a:t>Lo studente deve fare una ricerca manuale, quindi</a:t>
+            </a:r>
+            <a:r>
+              <a:rPr lang="it-IT" sz="2000" dirty="0" smtClean="0">
+                <a:latin typeface="Raleway" panose="020B0503030101060003" pitchFamily="34" charset="0"/>
+              </a:rPr>
+              <a:t>:</a:t>
             </a:r>
           </a:p>
           <a:p>
@@ -17867,67 +17932,12 @@
               <a:buFont typeface="Wingdings" panose="05000000000000000000" pitchFamily="2" charset="2"/>
               <a:buChar char="Ø"/>
             </a:pPr>
-            <a:endParaRPr lang="it-IT" dirty="0">
+            <a:endParaRPr lang="it-IT" sz="1200" dirty="0">
               <a:latin typeface="Raleway" panose="020B0503030101060003" pitchFamily="34" charset="0"/>
             </a:endParaRPr>
           </a:p>
           <a:p>
-            <a:pPr marL="285750" indent="-285750">
-              <a:buFont typeface="Wingdings" panose="05000000000000000000" pitchFamily="2" charset="2"/>
-              <a:buChar char="Ø"/>
-            </a:pPr>
-            <a:r>
-              <a:rPr lang="it-IT" dirty="0">
-                <a:latin typeface="Raleway" panose="020B0503030101060003" pitchFamily="34" charset="0"/>
-              </a:rPr>
-              <a:t>Diversi corsi possono trattare argomenti uguali o simili</a:t>
-            </a:r>
-            <a:r>
-              <a:rPr lang="it-IT" dirty="0" smtClean="0">
-                <a:latin typeface="Raleway" panose="020B0503030101060003" pitchFamily="34" charset="0"/>
-              </a:rPr>
-              <a:t>.</a:t>
-            </a:r>
-          </a:p>
-          <a:p>
-            <a:endParaRPr lang="it-IT" sz="2400" dirty="0">
-              <a:latin typeface="Raleway" panose="020B0503030101060003" pitchFamily="34" charset="0"/>
-            </a:endParaRPr>
-          </a:p>
-          <a:p>
-            <a:r>
-              <a:rPr lang="it-IT" sz="2400" dirty="0" smtClean="0">
-                <a:latin typeface="Raleway" panose="020B0503030101060003" pitchFamily="34" charset="0"/>
-              </a:rPr>
-              <a:t>Soluzione Attuale</a:t>
-            </a:r>
-            <a:endParaRPr lang="it-IT" sz="2400" dirty="0">
-              <a:latin typeface="Raleway" panose="020B0503030101060003" pitchFamily="34" charset="0"/>
-            </a:endParaRPr>
-          </a:p>
-          <a:p>
-            <a:pPr marL="285750" indent="-285750">
-              <a:buFont typeface="Wingdings" panose="05000000000000000000" pitchFamily="2" charset="2"/>
-              <a:buChar char="Ø"/>
-            </a:pPr>
-            <a:r>
-              <a:rPr lang="it-IT" dirty="0">
-                <a:latin typeface="Raleway" panose="020B0503030101060003" pitchFamily="34" charset="0"/>
-              </a:rPr>
-              <a:t>Lo studente deve fare una ricerca manuale, quindi</a:t>
-            </a:r>
-            <a:r>
-              <a:rPr lang="it-IT" dirty="0" smtClean="0">
-                <a:latin typeface="Raleway" panose="020B0503030101060003" pitchFamily="34" charset="0"/>
-              </a:rPr>
-              <a:t>:</a:t>
-            </a:r>
-            <a:endParaRPr lang="it-IT" dirty="0">
-              <a:latin typeface="Raleway" panose="020B0503030101060003" pitchFamily="34" charset="0"/>
-            </a:endParaRPr>
-          </a:p>
-          <a:p>
-            <a:pPr marL="800100" lvl="1" indent="-342900">
+            <a:pPr marL="1257300" lvl="2" indent="-342900">
               <a:buFont typeface="+mj-lt"/>
               <a:buAutoNum type="arabicPeriod"/>
             </a:pPr>
@@ -17939,7 +17949,7 @@
             </a:r>
           </a:p>
           <a:p>
-            <a:pPr marL="800100" lvl="1" indent="-342900">
+            <a:pPr marL="1257300" lvl="2" indent="-342900">
               <a:buFont typeface="+mj-lt"/>
               <a:buAutoNum type="arabicPeriod"/>
             </a:pPr>
@@ -17951,7 +17961,7 @@
             </a:r>
           </a:p>
           <a:p>
-            <a:pPr marL="800100" lvl="1" indent="-342900">
+            <a:pPr marL="1257300" lvl="2" indent="-342900">
               <a:buFont typeface="+mj-lt"/>
               <a:buAutoNum type="arabicPeriod"/>
             </a:pPr>
@@ -17975,7 +17985,7 @@
           <p:cNvPr id="8" name="Rettangolo 7">
             <a:extLst>
               <a:ext uri="{FF2B5EF4-FFF2-40B4-BE49-F238E27FC236}">
-                <a16:creationId xmlns:lc="http://schemas.openxmlformats.org/drawingml/2006/lockedCanvas" xmlns:a16="http://schemas.microsoft.com/office/drawing/2014/main" xmlns="" id="{1E494D1A-A850-8664-359F-B5C2EF7FE428}"/>
+                <a16:creationId xmlns="" xmlns:a16="http://schemas.microsoft.com/office/drawing/2014/main" xmlns:lc="http://schemas.openxmlformats.org/drawingml/2006/lockedCanvas" id="{1E494D1A-A850-8664-359F-B5C2EF7FE428}"/>
               </a:ext>
             </a:extLst>
           </p:cNvPr>
@@ -18164,7 +18174,7 @@
           <p:cNvPr id="4" name="Rettangolo 3">
             <a:extLst>
               <a:ext uri="{FF2B5EF4-FFF2-40B4-BE49-F238E27FC236}">
-                <a16:creationId xmlns:lc="http://schemas.openxmlformats.org/drawingml/2006/lockedCanvas" xmlns:a16="http://schemas.microsoft.com/office/drawing/2014/main" xmlns="" id="{9345B740-46C0-0F59-BCE6-B6BB98E2D03A}"/>
+                <a16:creationId xmlns="" xmlns:a16="http://schemas.microsoft.com/office/drawing/2014/main" xmlns:lc="http://schemas.openxmlformats.org/drawingml/2006/lockedCanvas" id="{9345B740-46C0-0F59-BCE6-B6BB98E2D03A}"/>
               </a:ext>
             </a:extLst>
           </p:cNvPr>
@@ -18323,7 +18333,7 @@
           <p:cNvPr id="5" name="CasellaDiTesto 48">
             <a:extLst>
               <a:ext uri="{FF2B5EF4-FFF2-40B4-BE49-F238E27FC236}">
-                <a16:creationId xmlns:lc="http://schemas.openxmlformats.org/drawingml/2006/lockedCanvas" xmlns:a16="http://schemas.microsoft.com/office/drawing/2014/main" xmlns="" id="{1C78B549-E0D4-B794-143A-3AE79DE1EDD1}"/>
+                <a16:creationId xmlns="" xmlns:a16="http://schemas.microsoft.com/office/drawing/2014/main" xmlns:lc="http://schemas.openxmlformats.org/drawingml/2006/lockedCanvas" id="{1C78B549-E0D4-B794-143A-3AE79DE1EDD1}"/>
               </a:ext>
             </a:extLst>
           </p:cNvPr>
@@ -18457,7 +18467,7 @@
           <p:cNvPr id="8" name="Rettangolo 7">
             <a:extLst>
               <a:ext uri="{FF2B5EF4-FFF2-40B4-BE49-F238E27FC236}">
-                <a16:creationId xmlns:lc="http://schemas.openxmlformats.org/drawingml/2006/lockedCanvas" xmlns:a16="http://schemas.microsoft.com/office/drawing/2014/main" xmlns="" id="{1E494D1A-A850-8664-359F-B5C2EF7FE428}"/>
+                <a16:creationId xmlns="" xmlns:a16="http://schemas.microsoft.com/office/drawing/2014/main" xmlns:lc="http://schemas.openxmlformats.org/drawingml/2006/lockedCanvas" id="{1E494D1A-A850-8664-359F-B5C2EF7FE428}"/>
               </a:ext>
             </a:extLst>
           </p:cNvPr>
@@ -18612,8 +18622,8 @@
         </p:nvSpPr>
         <p:spPr>
           <a:xfrm>
-            <a:off x="310551" y="1613140"/>
-            <a:ext cx="7893170" cy="2585323"/>
+            <a:off x="310550" y="1613140"/>
+            <a:ext cx="11271849" cy="2646878"/>
           </a:xfrm>
           <a:prstGeom prst="rect">
             <a:avLst/>
@@ -18642,24 +18652,24 @@
             </a:endParaRPr>
           </a:p>
           <a:p>
-            <a:pPr marL="285750" indent="-285750">
+            <a:pPr marL="742950" lvl="1" indent="-285750">
               <a:buFont typeface="Wingdings" panose="05000000000000000000" pitchFamily="2" charset="2"/>
               <a:buChar char="Ø"/>
             </a:pPr>
             <a:r>
-              <a:rPr lang="it-IT" dirty="0" smtClean="0">
+              <a:rPr lang="it-IT" sz="2000" dirty="0" smtClean="0">
                 <a:latin typeface="Raleway" panose="020B0503030101060003" pitchFamily="34" charset="0"/>
               </a:rPr>
               <a:t>Necessità di recuperare informazioni riguardanti un determinato </a:t>
             </a:r>
             <a:r>
-              <a:rPr lang="it-IT" dirty="0" err="1" smtClean="0">
+              <a:rPr lang="it-IT" sz="2000" dirty="0" err="1" smtClean="0">
                 <a:latin typeface="Raleway" panose="020B0503030101060003" pitchFamily="34" charset="0"/>
               </a:rPr>
               <a:t>topic</a:t>
             </a:r>
             <a:r>
-              <a:rPr lang="it-IT" dirty="0" smtClean="0">
+              <a:rPr lang="it-IT" sz="2000" dirty="0" smtClean="0">
                 <a:latin typeface="Raleway" panose="020B0503030101060003" pitchFamily="34" charset="0"/>
               </a:rPr>
               <a:t> dai pdf dei vari corsi.</a:t>
@@ -19367,7 +19377,7 @@
           <p:cNvPr id="4" name="Rettangolo 3">
             <a:extLst>
               <a:ext uri="{FF2B5EF4-FFF2-40B4-BE49-F238E27FC236}">
-                <a16:creationId xmlns:lc="http://schemas.openxmlformats.org/drawingml/2006/lockedCanvas" xmlns:a16="http://schemas.microsoft.com/office/drawing/2014/main" xmlns="" id="{9345B740-46C0-0F59-BCE6-B6BB98E2D03A}"/>
+                <a16:creationId xmlns="" xmlns:a16="http://schemas.microsoft.com/office/drawing/2014/main" xmlns:lc="http://schemas.openxmlformats.org/drawingml/2006/lockedCanvas" id="{9345B740-46C0-0F59-BCE6-B6BB98E2D03A}"/>
               </a:ext>
             </a:extLst>
           </p:cNvPr>
@@ -19535,7 +19545,7 @@
           <p:cNvPr id="5" name="CasellaDiTesto 48">
             <a:extLst>
               <a:ext uri="{FF2B5EF4-FFF2-40B4-BE49-F238E27FC236}">
-                <a16:creationId xmlns:lc="http://schemas.openxmlformats.org/drawingml/2006/lockedCanvas" xmlns:a16="http://schemas.microsoft.com/office/drawing/2014/main" xmlns="" id="{1C78B549-E0D4-B794-143A-3AE79DE1EDD1}"/>
+                <a16:creationId xmlns="" xmlns:a16="http://schemas.microsoft.com/office/drawing/2014/main" xmlns:lc="http://schemas.openxmlformats.org/drawingml/2006/lockedCanvas" id="{1C78B549-E0D4-B794-143A-3AE79DE1EDD1}"/>
               </a:ext>
             </a:extLst>
           </p:cNvPr>
@@ -19669,7 +19679,7 @@
           <p:cNvPr id="6" name="Rettangolo 5">
             <a:extLst>
               <a:ext uri="{FF2B5EF4-FFF2-40B4-BE49-F238E27FC236}">
-                <a16:creationId xmlns:lc="http://schemas.openxmlformats.org/drawingml/2006/lockedCanvas" xmlns:a16="http://schemas.microsoft.com/office/drawing/2014/main" xmlns="" id="{1E494D1A-A850-8664-359F-B5C2EF7FE428}"/>
+                <a16:creationId xmlns="" xmlns:a16="http://schemas.microsoft.com/office/drawing/2014/main" xmlns:lc="http://schemas.openxmlformats.org/drawingml/2006/lockedCanvas" id="{1E494D1A-A850-8664-359F-B5C2EF7FE428}"/>
               </a:ext>
             </a:extLst>
           </p:cNvPr>
@@ -19851,7 +19861,7 @@
           <p:cNvPr id="8" name="CasellaDiTesto 7">
             <a:extLst>
               <a:ext uri="{FF2B5EF4-FFF2-40B4-BE49-F238E27FC236}">
-                <a16:creationId xmlns:a16="http://schemas.microsoft.com/office/drawing/2014/main" xmlns="" id="{BDFA600A-5721-23F4-E95B-50E923AD9318}"/>
+                <a16:creationId xmlns="" xmlns:a16="http://schemas.microsoft.com/office/drawing/2014/main" id="{BDFA600A-5721-23F4-E95B-50E923AD9318}"/>
               </a:ext>
             </a:extLst>
           </p:cNvPr>
@@ -19934,7 +19944,7 @@
           <p:cNvPr id="4" name="Rettangolo 3">
             <a:extLst>
               <a:ext uri="{FF2B5EF4-FFF2-40B4-BE49-F238E27FC236}">
-                <a16:creationId xmlns:lc="http://schemas.openxmlformats.org/drawingml/2006/lockedCanvas" xmlns:a16="http://schemas.microsoft.com/office/drawing/2014/main" xmlns="" id="{9345B740-46C0-0F59-BCE6-B6BB98E2D03A}"/>
+                <a16:creationId xmlns="" xmlns:a16="http://schemas.microsoft.com/office/drawing/2014/main" xmlns:lc="http://schemas.openxmlformats.org/drawingml/2006/lockedCanvas" id="{9345B740-46C0-0F59-BCE6-B6BB98E2D03A}"/>
               </a:ext>
             </a:extLst>
           </p:cNvPr>
@@ -20093,7 +20103,7 @@
           <p:cNvPr id="5" name="CasellaDiTesto 48">
             <a:extLst>
               <a:ext uri="{FF2B5EF4-FFF2-40B4-BE49-F238E27FC236}">
-                <a16:creationId xmlns:lc="http://schemas.openxmlformats.org/drawingml/2006/lockedCanvas" xmlns:a16="http://schemas.microsoft.com/office/drawing/2014/main" xmlns="" id="{1C78B549-E0D4-B794-143A-3AE79DE1EDD1}"/>
+                <a16:creationId xmlns="" xmlns:a16="http://schemas.microsoft.com/office/drawing/2014/main" xmlns:lc="http://schemas.openxmlformats.org/drawingml/2006/lockedCanvas" id="{1C78B549-E0D4-B794-143A-3AE79DE1EDD1}"/>
               </a:ext>
             </a:extLst>
           </p:cNvPr>
@@ -20227,7 +20237,7 @@
           <p:cNvPr id="6" name="Rettangolo 5">
             <a:extLst>
               <a:ext uri="{FF2B5EF4-FFF2-40B4-BE49-F238E27FC236}">
-                <a16:creationId xmlns:lc="http://schemas.openxmlformats.org/drawingml/2006/lockedCanvas" xmlns:a16="http://schemas.microsoft.com/office/drawing/2014/main" xmlns="" id="{1E494D1A-A850-8664-359F-B5C2EF7FE428}"/>
+                <a16:creationId xmlns="" xmlns:a16="http://schemas.microsoft.com/office/drawing/2014/main" xmlns:lc="http://schemas.openxmlformats.org/drawingml/2006/lockedCanvas" id="{1E494D1A-A850-8664-359F-B5C2EF7FE428}"/>
               </a:ext>
             </a:extLst>
           </p:cNvPr>
@@ -20409,7 +20419,7 @@
           <p:cNvPr id="8" name="CasellaDiTesto 7">
             <a:extLst>
               <a:ext uri="{FF2B5EF4-FFF2-40B4-BE49-F238E27FC236}">
-                <a16:creationId xmlns:a16="http://schemas.microsoft.com/office/drawing/2014/main" xmlns="" id="{BDFA600A-5721-23F4-E95B-50E923AD9318}"/>
+                <a16:creationId xmlns="" xmlns:a16="http://schemas.microsoft.com/office/drawing/2014/main" id="{BDFA600A-5721-23F4-E95B-50E923AD9318}"/>
               </a:ext>
             </a:extLst>
           </p:cNvPr>
@@ -20438,9 +20448,6 @@
               </a:rPr>
               <a:t>LILL-AI - Query</a:t>
             </a:r>
-            <a:endParaRPr lang="it-IT" sz="2800" dirty="0">
-              <a:latin typeface="Raleway" panose="020B0503030101060003" pitchFamily="34" charset="0"/>
-            </a:endParaRPr>
           </a:p>
         </p:txBody>
       </p:sp>
@@ -20486,7 +20493,7 @@
           <p:cNvPr id="4" name="Rettangolo 3">
             <a:extLst>
               <a:ext uri="{FF2B5EF4-FFF2-40B4-BE49-F238E27FC236}">
-                <a16:creationId xmlns:lc="http://schemas.openxmlformats.org/drawingml/2006/lockedCanvas" xmlns:a16="http://schemas.microsoft.com/office/drawing/2014/main" xmlns="" id="{9345B740-46C0-0F59-BCE6-B6BB98E2D03A}"/>
+                <a16:creationId xmlns="" xmlns:a16="http://schemas.microsoft.com/office/drawing/2014/main" xmlns:lc="http://schemas.openxmlformats.org/drawingml/2006/lockedCanvas" id="{9345B740-46C0-0F59-BCE6-B6BB98E2D03A}"/>
               </a:ext>
             </a:extLst>
           </p:cNvPr>
@@ -20645,7 +20652,7 @@
           <p:cNvPr id="5" name="CasellaDiTesto 48">
             <a:extLst>
               <a:ext uri="{FF2B5EF4-FFF2-40B4-BE49-F238E27FC236}">
-                <a16:creationId xmlns:lc="http://schemas.openxmlformats.org/drawingml/2006/lockedCanvas" xmlns:a16="http://schemas.microsoft.com/office/drawing/2014/main" xmlns="" id="{1C78B549-E0D4-B794-143A-3AE79DE1EDD1}"/>
+                <a16:creationId xmlns="" xmlns:a16="http://schemas.microsoft.com/office/drawing/2014/main" xmlns:lc="http://schemas.openxmlformats.org/drawingml/2006/lockedCanvas" id="{1C78B549-E0D4-B794-143A-3AE79DE1EDD1}"/>
               </a:ext>
             </a:extLst>
           </p:cNvPr>
@@ -20779,7 +20786,7 @@
           <p:cNvPr id="6" name="Rettangolo 5">
             <a:extLst>
               <a:ext uri="{FF2B5EF4-FFF2-40B4-BE49-F238E27FC236}">
-                <a16:creationId xmlns:lc="http://schemas.openxmlformats.org/drawingml/2006/lockedCanvas" xmlns:a16="http://schemas.microsoft.com/office/drawing/2014/main" xmlns="" id="{1E494D1A-A850-8664-359F-B5C2EF7FE428}"/>
+                <a16:creationId xmlns="" xmlns:a16="http://schemas.microsoft.com/office/drawing/2014/main" xmlns:lc="http://schemas.openxmlformats.org/drawingml/2006/lockedCanvas" id="{1E494D1A-A850-8664-359F-B5C2EF7FE428}"/>
               </a:ext>
             </a:extLst>
           </p:cNvPr>
@@ -20931,7 +20938,7 @@
           <p:cNvPr id="8" name="CasellaDiTesto 7">
             <a:extLst>
               <a:ext uri="{FF2B5EF4-FFF2-40B4-BE49-F238E27FC236}">
-                <a16:creationId xmlns:a16="http://schemas.microsoft.com/office/drawing/2014/main" xmlns="" id="{BDFA600A-5721-23F4-E95B-50E923AD9318}"/>
+                <a16:creationId xmlns="" xmlns:a16="http://schemas.microsoft.com/office/drawing/2014/main" id="{BDFA600A-5721-23F4-E95B-50E923AD9318}"/>
               </a:ext>
             </a:extLst>
           </p:cNvPr>
@@ -21008,7 +21015,7 @@
           <p:cNvPr id="4" name="Rettangolo 3">
             <a:extLst>
               <a:ext uri="{FF2B5EF4-FFF2-40B4-BE49-F238E27FC236}">
-                <a16:creationId xmlns:lc="http://schemas.openxmlformats.org/drawingml/2006/lockedCanvas" xmlns:a16="http://schemas.microsoft.com/office/drawing/2014/main" xmlns="" id="{9345B740-46C0-0F59-BCE6-B6BB98E2D03A}"/>
+                <a16:creationId xmlns="" xmlns:a16="http://schemas.microsoft.com/office/drawing/2014/main" xmlns:lc="http://schemas.openxmlformats.org/drawingml/2006/lockedCanvas" id="{9345B740-46C0-0F59-BCE6-B6BB98E2D03A}"/>
               </a:ext>
             </a:extLst>
           </p:cNvPr>
@@ -21167,7 +21174,7 @@
           <p:cNvPr id="5" name="CasellaDiTesto 48">
             <a:extLst>
               <a:ext uri="{FF2B5EF4-FFF2-40B4-BE49-F238E27FC236}">
-                <a16:creationId xmlns:lc="http://schemas.openxmlformats.org/drawingml/2006/lockedCanvas" xmlns:a16="http://schemas.microsoft.com/office/drawing/2014/main" xmlns="" id="{1C78B549-E0D4-B794-143A-3AE79DE1EDD1}"/>
+                <a16:creationId xmlns="" xmlns:a16="http://schemas.microsoft.com/office/drawing/2014/main" xmlns:lc="http://schemas.openxmlformats.org/drawingml/2006/lockedCanvas" id="{1C78B549-E0D4-B794-143A-3AE79DE1EDD1}"/>
               </a:ext>
             </a:extLst>
           </p:cNvPr>
@@ -21301,7 +21308,7 @@
           <p:cNvPr id="6" name="Rettangolo 5">
             <a:extLst>
               <a:ext uri="{FF2B5EF4-FFF2-40B4-BE49-F238E27FC236}">
-                <a16:creationId xmlns:lc="http://schemas.openxmlformats.org/drawingml/2006/lockedCanvas" xmlns:a16="http://schemas.microsoft.com/office/drawing/2014/main" xmlns="" id="{1E494D1A-A850-8664-359F-B5C2EF7FE428}"/>
+                <a16:creationId xmlns="" xmlns:a16="http://schemas.microsoft.com/office/drawing/2014/main" xmlns:lc="http://schemas.openxmlformats.org/drawingml/2006/lockedCanvas" id="{1E494D1A-A850-8664-359F-B5C2EF7FE428}"/>
               </a:ext>
             </a:extLst>
           </p:cNvPr>
@@ -21453,7 +21460,7 @@
           <p:cNvPr id="8" name="CasellaDiTesto 7">
             <a:extLst>
               <a:ext uri="{FF2B5EF4-FFF2-40B4-BE49-F238E27FC236}">
-                <a16:creationId xmlns:a16="http://schemas.microsoft.com/office/drawing/2014/main" xmlns="" id="{28561ECE-0736-E0FC-8CBB-C4D0F6E6570A}"/>
+                <a16:creationId xmlns="" xmlns:a16="http://schemas.microsoft.com/office/drawing/2014/main" id="{28561ECE-0736-E0FC-8CBB-C4D0F6E6570A}"/>
               </a:ext>
             </a:extLst>
           </p:cNvPr>
@@ -21539,7 +21546,7 @@
           <p:cNvPr id="9" name="CasellaDiTesto 8">
             <a:extLst>
               <a:ext uri="{FF2B5EF4-FFF2-40B4-BE49-F238E27FC236}">
-                <a16:creationId xmlns:a16="http://schemas.microsoft.com/office/drawing/2014/main" xmlns="" id="{BDFA600A-5721-23F4-E95B-50E923AD9318}"/>
+                <a16:creationId xmlns="" xmlns:a16="http://schemas.microsoft.com/office/drawing/2014/main" id="{BDFA600A-5721-23F4-E95B-50E923AD9318}"/>
               </a:ext>
             </a:extLst>
           </p:cNvPr>
@@ -21576,7 +21583,7 @@
           <p:cNvPr id="10" name="Immagine 9">
             <a:extLst>
               <a:ext uri="{FF2B5EF4-FFF2-40B4-BE49-F238E27FC236}">
-                <a16:creationId xmlns:a16="http://schemas.microsoft.com/office/drawing/2014/main" xmlns="" id="{1FE81600-6D7C-01B7-2070-042048C3992A}"/>
+                <a16:creationId xmlns="" xmlns:a16="http://schemas.microsoft.com/office/drawing/2014/main" id="{1FE81600-6D7C-01B7-2070-042048C3992A}"/>
               </a:ext>
             </a:extLst>
           </p:cNvPr>
@@ -21606,7 +21613,7 @@
           <p:cNvPr id="11" name="CasellaDiTesto 10">
             <a:extLst>
               <a:ext uri="{FF2B5EF4-FFF2-40B4-BE49-F238E27FC236}">
-                <a16:creationId xmlns:a16="http://schemas.microsoft.com/office/drawing/2014/main" xmlns="" id="{57B6CF36-F7B1-52B0-B0B7-6C82061B605E}"/>
+                <a16:creationId xmlns="" xmlns:a16="http://schemas.microsoft.com/office/drawing/2014/main" id="{57B6CF36-F7B1-52B0-B0B7-6C82061B605E}"/>
               </a:ext>
             </a:extLst>
           </p:cNvPr>
@@ -21722,7 +21729,7 @@
           <p:cNvPr id="12" name="CasellaDiTesto 11">
             <a:extLst>
               <a:ext uri="{FF2B5EF4-FFF2-40B4-BE49-F238E27FC236}">
-                <a16:creationId xmlns:a16="http://schemas.microsoft.com/office/drawing/2014/main" xmlns="" id="{297063DE-4C4D-FB8D-68C4-20D18EDC20FB}"/>
+                <a16:creationId xmlns="" xmlns:a16="http://schemas.microsoft.com/office/drawing/2014/main" id="{297063DE-4C4D-FB8D-68C4-20D18EDC20FB}"/>
               </a:ext>
             </a:extLst>
           </p:cNvPr>
@@ -21796,7 +21803,7 @@
           <p:cNvPr id="4" name="Rettangolo 3">
             <a:extLst>
               <a:ext uri="{FF2B5EF4-FFF2-40B4-BE49-F238E27FC236}">
-                <a16:creationId xmlns:lc="http://schemas.openxmlformats.org/drawingml/2006/lockedCanvas" xmlns:a16="http://schemas.microsoft.com/office/drawing/2014/main" xmlns="" id="{9345B740-46C0-0F59-BCE6-B6BB98E2D03A}"/>
+                <a16:creationId xmlns="" xmlns:a16="http://schemas.microsoft.com/office/drawing/2014/main" xmlns:lc="http://schemas.openxmlformats.org/drawingml/2006/lockedCanvas" id="{9345B740-46C0-0F59-BCE6-B6BB98E2D03A}"/>
               </a:ext>
             </a:extLst>
           </p:cNvPr>
@@ -21964,7 +21971,7 @@
           <p:cNvPr id="5" name="CasellaDiTesto 48">
             <a:extLst>
               <a:ext uri="{FF2B5EF4-FFF2-40B4-BE49-F238E27FC236}">
-                <a16:creationId xmlns:lc="http://schemas.openxmlformats.org/drawingml/2006/lockedCanvas" xmlns:a16="http://schemas.microsoft.com/office/drawing/2014/main" xmlns="" id="{1C78B549-E0D4-B794-143A-3AE79DE1EDD1}"/>
+                <a16:creationId xmlns="" xmlns:a16="http://schemas.microsoft.com/office/drawing/2014/main" xmlns:lc="http://schemas.openxmlformats.org/drawingml/2006/lockedCanvas" id="{1C78B549-E0D4-B794-143A-3AE79DE1EDD1}"/>
               </a:ext>
             </a:extLst>
           </p:cNvPr>
@@ -22098,7 +22105,7 @@
           <p:cNvPr id="6" name="Rettangolo 5">
             <a:extLst>
               <a:ext uri="{FF2B5EF4-FFF2-40B4-BE49-F238E27FC236}">
-                <a16:creationId xmlns:lc="http://schemas.openxmlformats.org/drawingml/2006/lockedCanvas" xmlns:a16="http://schemas.microsoft.com/office/drawing/2014/main" xmlns="" id="{1E494D1A-A850-8664-359F-B5C2EF7FE428}"/>
+                <a16:creationId xmlns="" xmlns:a16="http://schemas.microsoft.com/office/drawing/2014/main" xmlns:lc="http://schemas.openxmlformats.org/drawingml/2006/lockedCanvas" id="{1E494D1A-A850-8664-359F-B5C2EF7FE428}"/>
               </a:ext>
             </a:extLst>
           </p:cNvPr>
@@ -22250,7 +22257,7 @@
           <p:cNvPr id="9" name="CasellaDiTesto 8">
             <a:extLst>
               <a:ext uri="{FF2B5EF4-FFF2-40B4-BE49-F238E27FC236}">
-                <a16:creationId xmlns:a16="http://schemas.microsoft.com/office/drawing/2014/main" xmlns="" id="{BDFA600A-5721-23F4-E95B-50E923AD9318}"/>
+                <a16:creationId xmlns="" xmlns:a16="http://schemas.microsoft.com/office/drawing/2014/main" id="{BDFA600A-5721-23F4-E95B-50E923AD9318}"/>
               </a:ext>
             </a:extLst>
           </p:cNvPr>
@@ -22613,13 +22620,13 @@
   <p:clrMapOvr>
     <a:masterClrMapping/>
   </p:clrMapOvr>
-  <mc:AlternateContent xmlns:mc="http://schemas.openxmlformats.org/markup-compatibility/2006">
-    <mc:Choice xmlns:p14="http://schemas.microsoft.com/office/powerpoint/2010/main" Requires="p14">
+  <mc:AlternateContent xmlns:mc="http://schemas.openxmlformats.org/markup-compatibility/2006" xmlns:p14="http://schemas.microsoft.com/office/powerpoint/2010/main">
+    <mc:Choice Requires="p14">
       <p:transition spd="med" p14:dur="700">
         <p:fade/>
       </p:transition>
     </mc:Choice>
-    <mc:Fallback>
+    <mc:Fallback xmlns="">
       <p:transition spd="med">
         <p:fade/>
       </p:transition>

--- a/relazione/presentazione Lill_AI.pptx
+++ b/relazione/presentazione Lill_AI.pptx
@@ -4013,6 +4013,9 @@
   <p:clrMapOvr>
     <a:masterClrMapping/>
   </p:clrMapOvr>
+  <p:transition spd="slow">
+    <p:split orient="vert"/>
+  </p:transition>
 </p:sld>
 </file>
 
@@ -4865,8 +4868,8 @@
   <p:clrMapOvr>
     <a:masterClrMapping/>
   </p:clrMapOvr>
-  <p:transition>
-    <p:fade/>
+  <p:transition spd="slow">
+    <p:split orient="vert"/>
   </p:transition>
 </p:sld>
 </file>
@@ -5602,8 +5605,8 @@
   <p:clrMapOvr>
     <a:masterClrMapping/>
   </p:clrMapOvr>
-  <p:transition>
-    <p:fade/>
+  <p:transition spd="slow">
+    <p:split orient="vert"/>
   </p:transition>
 </p:sld>
 </file>
@@ -6455,8 +6458,8 @@
   <p:clrMapOvr>
     <a:masterClrMapping/>
   </p:clrMapOvr>
-  <p:transition>
-    <p:fade/>
+  <p:transition spd="slow">
+    <p:split orient="vert"/>
   </p:transition>
 </p:sld>
 </file>
@@ -7220,8 +7223,8 @@
   <p:clrMapOvr>
     <a:masterClrMapping/>
   </p:clrMapOvr>
-  <p:transition>
-    <p:fade/>
+  <p:transition spd="slow">
+    <p:split orient="vert"/>
   </p:transition>
 </p:sld>
 </file>
@@ -7954,8 +7957,8 @@
   <p:clrMapOvr>
     <a:masterClrMapping/>
   </p:clrMapOvr>
-  <p:transition>
-    <p:fade/>
+  <p:transition spd="slow">
+    <p:split orient="vert"/>
   </p:transition>
 </p:sld>
 </file>
@@ -8627,8 +8630,8 @@
   <p:clrMapOvr>
     <a:masterClrMapping/>
   </p:clrMapOvr>
-  <p:transition>
-    <p:fade/>
+  <p:transition spd="slow">
+    <p:split orient="vert"/>
   </p:transition>
 </p:sld>
 </file>
@@ -9377,9 +9380,16 @@
   <p:clrMapOvr>
     <a:masterClrMapping/>
   </p:clrMapOvr>
-  <p:transition>
-    <p:fade/>
+  <p:transition spd="slow">
+    <p:split orient="vert"/>
   </p:transition>
+  <p:timing>
+    <p:tnLst>
+      <p:par>
+        <p:cTn id="1" dur="indefinite" restart="never" nodeType="tmRoot"/>
+      </p:par>
+    </p:tnLst>
+  </p:timing>
 </p:sld>
 </file>
 
@@ -10229,9 +10239,16 @@
   <p:clrMapOvr>
     <a:masterClrMapping/>
   </p:clrMapOvr>
-  <p:transition>
-    <p:fade/>
+  <p:transition spd="slow">
+    <p:split orient="vert"/>
   </p:transition>
+  <p:timing>
+    <p:tnLst>
+      <p:par>
+        <p:cTn id="1" dur="indefinite" restart="never" nodeType="tmRoot"/>
+      </p:par>
+    </p:tnLst>
+  </p:timing>
 </p:sld>
 </file>
 
@@ -10917,9 +10934,16 @@
   <p:clrMapOvr>
     <a:masterClrMapping/>
   </p:clrMapOvr>
-  <p:transition>
-    <p:fade/>
+  <p:transition spd="slow">
+    <p:split orient="vert"/>
   </p:transition>
+  <p:timing>
+    <p:tnLst>
+      <p:par>
+        <p:cTn id="1" dur="indefinite" restart="never" nodeType="tmRoot"/>
+      </p:par>
+    </p:tnLst>
+  </p:timing>
 </p:sld>
 </file>
 
@@ -11623,9 +11647,16 @@
   <p:clrMapOvr>
     <a:masterClrMapping/>
   </p:clrMapOvr>
-  <p:transition>
-    <p:fade/>
+  <p:transition spd="slow">
+    <p:split orient="vert"/>
   </p:transition>
+  <p:timing>
+    <p:tnLst>
+      <p:par>
+        <p:cTn id="1" dur="indefinite" restart="never" nodeType="tmRoot"/>
+      </p:par>
+    </p:tnLst>
+  </p:timing>
 </p:sld>
 </file>
 
@@ -12462,6 +12493,9 @@
   <p:clrMapOvr>
     <a:masterClrMapping/>
   </p:clrMapOvr>
+  <p:transition spd="slow">
+    <p:split orient="vert"/>
+  </p:transition>
 </p:sld>
 </file>
 
@@ -14236,6 +14270,16 @@
   <p:clrMapOvr>
     <a:masterClrMapping/>
   </p:clrMapOvr>
+  <p:transition spd="slow">
+    <p:split orient="vert"/>
+  </p:transition>
+  <p:timing>
+    <p:tnLst>
+      <p:par>
+        <p:cTn id="1" dur="indefinite" restart="never" nodeType="tmRoot"/>
+      </p:par>
+    </p:tnLst>
+  </p:timing>
 </p:sld>
 </file>
 
@@ -15879,6 +15923,16 @@
   <p:clrMapOvr>
     <a:masterClrMapping/>
   </p:clrMapOvr>
+  <p:transition spd="slow">
+    <p:split orient="vert"/>
+  </p:transition>
+  <p:timing>
+    <p:tnLst>
+      <p:par>
+        <p:cTn id="1" dur="indefinite" restart="never" nodeType="tmRoot"/>
+      </p:par>
+    </p:tnLst>
+  </p:timing>
 </p:sld>
 </file>
 
@@ -17245,6 +17299,16 @@
   <p:clrMapOvr>
     <a:masterClrMapping/>
   </p:clrMapOvr>
+  <p:transition spd="slow">
+    <p:split orient="vert"/>
+  </p:transition>
+  <p:timing>
+    <p:tnLst>
+      <p:par>
+        <p:cTn id="1" dur="indefinite" restart="never" nodeType="tmRoot"/>
+      </p:par>
+    </p:tnLst>
+  </p:timing>
 </p:sld>
 </file>
 
@@ -18727,6 +18791,16 @@
   <p:clrMapOvr>
     <a:masterClrMapping/>
   </p:clrMapOvr>
+  <p:transition spd="slow">
+    <p:split orient="vert"/>
+  </p:transition>
+  <p:timing>
+    <p:tnLst>
+      <p:par>
+        <p:cTn id="1" dur="indefinite" restart="never" nodeType="tmRoot"/>
+      </p:par>
+    </p:tnLst>
+  </p:timing>
 </p:sld>
 </file>
 
@@ -20489,6 +20563,16 @@
   <p:clrMapOvr>
     <a:masterClrMapping/>
   </p:clrMapOvr>
+  <p:transition spd="slow">
+    <p:split orient="vert"/>
+  </p:transition>
+  <p:timing>
+    <p:tnLst>
+      <p:par>
+        <p:cTn id="1" dur="indefinite" restart="never" nodeType="tmRoot"/>
+      </p:par>
+    </p:tnLst>
+  </p:timing>
 </p:sld>
 </file>
 
@@ -21161,6 +21245,16 @@
   <p:clrMapOvr>
     <a:masterClrMapping/>
   </p:clrMapOvr>
+  <p:transition spd="slow">
+    <p:split orient="vert"/>
+  </p:transition>
+  <p:timing>
+    <p:tnLst>
+      <p:par>
+        <p:cTn id="1" dur="indefinite" restart="never" nodeType="tmRoot"/>
+      </p:par>
+    </p:tnLst>
+  </p:timing>
 </p:sld>
 </file>
 
@@ -21969,6 +22063,16 @@
   <p:clrMapOvr>
     <a:masterClrMapping/>
   </p:clrMapOvr>
+  <p:transition spd="slow">
+    <p:split orient="vert"/>
+  </p:transition>
+  <p:timing>
+    <p:tnLst>
+      <p:par>
+        <p:cTn id="1" dur="indefinite" restart="never" nodeType="tmRoot"/>
+      </p:par>
+    </p:tnLst>
+  </p:timing>
 </p:sld>
 </file>
 
@@ -22100,9 +22204,16 @@
   <p:clrMapOvr>
     <a:masterClrMapping/>
   </p:clrMapOvr>
-  <p:transition>
-    <p:fade/>
+  <p:transition spd="slow">
+    <p:split orient="vert"/>
   </p:transition>
+  <p:timing>
+    <p:tnLst>
+      <p:par>
+        <p:cTn id="1" dur="indefinite" restart="never" nodeType="tmRoot"/>
+      </p:par>
+    </p:tnLst>
+  </p:timing>
 </p:sld>
 </file>
 
@@ -22813,6 +22924,9 @@
   <p:clrMapOvr>
     <a:masterClrMapping/>
   </p:clrMapOvr>
+  <p:transition spd="slow">
+    <p:split orient="vert"/>
+  </p:transition>
 </p:sld>
 </file>
 
@@ -23753,6 +23867,9 @@
   <p:clrMapOvr>
     <a:masterClrMapping/>
   </p:clrMapOvr>
+  <p:transition spd="slow">
+    <p:split orient="vert"/>
+  </p:transition>
   <p:timing>
     <p:tnLst>
       <p:par>
@@ -24558,6 +24675,9 @@
   <p:clrMapOvr>
     <a:masterClrMapping/>
   </p:clrMapOvr>
+  <p:transition spd="slow">
+    <p:split orient="vert"/>
+  </p:transition>
 </p:sld>
 </file>
 
@@ -25091,6 +25211,9 @@
   <p:clrMapOvr>
     <a:masterClrMapping/>
   </p:clrMapOvr>
+  <p:transition spd="slow">
+    <p:split orient="vert"/>
+  </p:transition>
 </p:sld>
 </file>
 
@@ -25790,6 +25913,9 @@
   <p:clrMapOvr>
     <a:masterClrMapping/>
   </p:clrMapOvr>
+  <p:transition spd="slow">
+    <p:split orient="vert"/>
+  </p:transition>
 </p:sld>
 </file>
 
@@ -26532,6 +26658,9 @@
   <p:clrMapOvr>
     <a:masterClrMapping/>
   </p:clrMapOvr>
+  <p:transition spd="slow">
+    <p:split orient="vert"/>
+  </p:transition>
 </p:sld>
 </file>
 
@@ -27356,18 +27485,9 @@
   <p:clrMapOvr>
     <a:masterClrMapping/>
   </p:clrMapOvr>
-  <mc:AlternateContent xmlns:mc="http://schemas.openxmlformats.org/markup-compatibility/2006" xmlns:p14="http://schemas.microsoft.com/office/powerpoint/2010/main">
-    <mc:Choice Requires="p14">
-      <p:transition spd="med" p14:dur="700">
-        <p:fade/>
-      </p:transition>
-    </mc:Choice>
-    <mc:Fallback xmlns="">
-      <p:transition spd="med">
-        <p:fade/>
-      </p:transition>
-    </mc:Fallback>
-  </mc:AlternateContent>
+  <p:transition spd="slow">
+    <p:split orient="vert"/>
+  </p:transition>
 </p:sld>
 </file>
 
